--- a/Diagrammer/CC-Web_design/CC_Web_Vinduer.pptx
+++ b/Diagrammer/CC-Web_design/CC_Web_Vinduer.pptx
@@ -202,7 +202,7 @@
           <a:p>
             <a:fld id="{9B123F91-F4A3-4DE7-98F5-321C0B3DDF78}" type="datetimeFigureOut">
               <a:rPr lang="da-DK" smtClean="0"/>
-              <a:t>14-10-2021</a:t>
+              <a:t>28-10-2021</a:t>
             </a:fld>
             <a:endParaRPr lang="da-DK"/>
           </a:p>
@@ -711,7 +711,7 @@
           <a:p>
             <a:fld id="{283C4389-C94E-476A-A06A-DD68FB615506}" type="datetimeFigureOut">
               <a:rPr lang="da-DK" smtClean="0"/>
-              <a:t>14-10-2021</a:t>
+              <a:t>28-10-2021</a:t>
             </a:fld>
             <a:endParaRPr lang="da-DK"/>
           </a:p>
@@ -909,7 +909,7 @@
           <a:p>
             <a:fld id="{283C4389-C94E-476A-A06A-DD68FB615506}" type="datetimeFigureOut">
               <a:rPr lang="da-DK" smtClean="0"/>
-              <a:t>14-10-2021</a:t>
+              <a:t>28-10-2021</a:t>
             </a:fld>
             <a:endParaRPr lang="da-DK"/>
           </a:p>
@@ -1117,7 +1117,7 @@
           <a:p>
             <a:fld id="{283C4389-C94E-476A-A06A-DD68FB615506}" type="datetimeFigureOut">
               <a:rPr lang="da-DK" smtClean="0"/>
-              <a:t>14-10-2021</a:t>
+              <a:t>28-10-2021</a:t>
             </a:fld>
             <a:endParaRPr lang="da-DK"/>
           </a:p>
@@ -1315,7 +1315,7 @@
           <a:p>
             <a:fld id="{283C4389-C94E-476A-A06A-DD68FB615506}" type="datetimeFigureOut">
               <a:rPr lang="da-DK" smtClean="0"/>
-              <a:t>14-10-2021</a:t>
+              <a:t>28-10-2021</a:t>
             </a:fld>
             <a:endParaRPr lang="da-DK"/>
           </a:p>
@@ -1590,7 +1590,7 @@
           <a:p>
             <a:fld id="{283C4389-C94E-476A-A06A-DD68FB615506}" type="datetimeFigureOut">
               <a:rPr lang="da-DK" smtClean="0"/>
-              <a:t>14-10-2021</a:t>
+              <a:t>28-10-2021</a:t>
             </a:fld>
             <a:endParaRPr lang="da-DK"/>
           </a:p>
@@ -1855,7 +1855,7 @@
           <a:p>
             <a:fld id="{283C4389-C94E-476A-A06A-DD68FB615506}" type="datetimeFigureOut">
               <a:rPr lang="da-DK" smtClean="0"/>
-              <a:t>14-10-2021</a:t>
+              <a:t>28-10-2021</a:t>
             </a:fld>
             <a:endParaRPr lang="da-DK"/>
           </a:p>
@@ -2267,7 +2267,7 @@
           <a:p>
             <a:fld id="{283C4389-C94E-476A-A06A-DD68FB615506}" type="datetimeFigureOut">
               <a:rPr lang="da-DK" smtClean="0"/>
-              <a:t>14-10-2021</a:t>
+              <a:t>28-10-2021</a:t>
             </a:fld>
             <a:endParaRPr lang="da-DK"/>
           </a:p>
@@ -2408,7 +2408,7 @@
           <a:p>
             <a:fld id="{283C4389-C94E-476A-A06A-DD68FB615506}" type="datetimeFigureOut">
               <a:rPr lang="da-DK" smtClean="0"/>
-              <a:t>14-10-2021</a:t>
+              <a:t>28-10-2021</a:t>
             </a:fld>
             <a:endParaRPr lang="da-DK"/>
           </a:p>
@@ -2521,7 +2521,7 @@
           <a:p>
             <a:fld id="{283C4389-C94E-476A-A06A-DD68FB615506}" type="datetimeFigureOut">
               <a:rPr lang="da-DK" smtClean="0"/>
-              <a:t>14-10-2021</a:t>
+              <a:t>28-10-2021</a:t>
             </a:fld>
             <a:endParaRPr lang="da-DK"/>
           </a:p>
@@ -2832,7 +2832,7 @@
           <a:p>
             <a:fld id="{283C4389-C94E-476A-A06A-DD68FB615506}" type="datetimeFigureOut">
               <a:rPr lang="da-DK" smtClean="0"/>
-              <a:t>14-10-2021</a:t>
+              <a:t>28-10-2021</a:t>
             </a:fld>
             <a:endParaRPr lang="da-DK"/>
           </a:p>
@@ -3120,7 +3120,7 @@
           <a:p>
             <a:fld id="{283C4389-C94E-476A-A06A-DD68FB615506}" type="datetimeFigureOut">
               <a:rPr lang="da-DK" smtClean="0"/>
-              <a:t>14-10-2021</a:t>
+              <a:t>28-10-2021</a:t>
             </a:fld>
             <a:endParaRPr lang="da-DK"/>
           </a:p>
@@ -3361,7 +3361,7 @@
           <a:p>
             <a:fld id="{283C4389-C94E-476A-A06A-DD68FB615506}" type="datetimeFigureOut">
               <a:rPr lang="da-DK" smtClean="0"/>
-              <a:t>14-10-2021</a:t>
+              <a:t>28-10-2021</a:t>
             </a:fld>
             <a:endParaRPr lang="da-DK"/>
           </a:p>
@@ -4984,7 +4984,7 @@
                   </a:schemeClr>
                 </a:solidFill>
               </a:rPr>
-              <a:t>Hans</a:t>
+              <a:t>12345678</a:t>
             </a:r>
           </a:p>
         </p:txBody>
@@ -5054,7 +5054,7 @@
         <p:spPr>
           <a:xfrm>
             <a:off x="4717525" y="1759120"/>
-            <a:ext cx="775597" cy="307777"/>
+            <a:ext cx="1162498" cy="307777"/>
           </a:xfrm>
           <a:prstGeom prst="rect">
             <a:avLst/>
@@ -5069,7 +5069,7 @@
           <a:p>
             <a:r>
               <a:rPr lang="da-DK" sz="1400" dirty="0"/>
-              <a:t>Fornavn</a:t>
+              <a:t>CVR-nummer</a:t>
             </a:r>
           </a:p>
         </p:txBody>
@@ -5089,7 +5089,7 @@
         <p:spPr>
           <a:xfrm>
             <a:off x="4717525" y="2434028"/>
-            <a:ext cx="887487" cy="307777"/>
+            <a:ext cx="1483291" cy="307777"/>
           </a:xfrm>
           <a:prstGeom prst="rect">
             <a:avLst/>
@@ -5104,7 +5104,7 @@
           <a:p>
             <a:r>
               <a:rPr lang="da-DK" sz="1400" dirty="0"/>
-              <a:t>Efternavn</a:t>
+              <a:t>Virksomhedsnavn</a:t>
             </a:r>
           </a:p>
         </p:txBody>
@@ -5124,6 +5124,65 @@
         <p:spPr>
           <a:xfrm>
             <a:off x="4717525" y="2750521"/>
+            <a:ext cx="2963206" cy="279761"/>
+          </a:xfrm>
+          <a:prstGeom prst="rect">
+            <a:avLst/>
+          </a:prstGeom>
+        </p:spPr>
+        <p:style>
+          <a:lnRef idx="2">
+            <a:schemeClr val="dk1"/>
+          </a:lnRef>
+          <a:fillRef idx="1">
+            <a:schemeClr val="lt1"/>
+          </a:fillRef>
+          <a:effectRef idx="0">
+            <a:schemeClr val="dk1"/>
+          </a:effectRef>
+          <a:fontRef idx="minor">
+            <a:schemeClr val="dk1"/>
+          </a:fontRef>
+        </p:style>
+        <p:txBody>
+          <a:bodyPr rtlCol="0" anchor="ctr"/>
+          <a:lstStyle/>
+          <a:p>
+            <a:r>
+              <a:rPr lang="da-DK" i="1" dirty="0" err="1">
+                <a:solidFill>
+                  <a:schemeClr val="bg1">
+                    <a:lumMod val="65000"/>
+                  </a:schemeClr>
+                </a:solidFill>
+              </a:rPr>
+              <a:t>CityCrawl</a:t>
+            </a:r>
+            <a:endParaRPr lang="da-DK" i="1" dirty="0">
+              <a:solidFill>
+                <a:schemeClr val="bg1">
+                  <a:lumMod val="65000"/>
+                </a:schemeClr>
+              </a:solidFill>
+            </a:endParaRPr>
+          </a:p>
+        </p:txBody>
+      </p:sp>
+      <p:sp>
+        <p:nvSpPr>
+          <p:cNvPr id="13" name="Rektangel 12">
+            <a:extLst>
+              <a:ext uri="{FF2B5EF4-FFF2-40B4-BE49-F238E27FC236}">
+                <a16:creationId xmlns:a16="http://schemas.microsoft.com/office/drawing/2014/main" id="{93705218-B299-420B-9E58-060A73FFBE09}"/>
+              </a:ext>
+            </a:extLst>
+          </p:cNvPr>
+          <p:cNvSpPr/>
+          <p:nvPr/>
+        </p:nvSpPr>
+        <p:spPr>
+          <a:xfrm>
+            <a:off x="4717525" y="3367196"/>
             <a:ext cx="2963206" cy="279761"/>
           </a:xfrm>
           <a:prstGeom prst="rect">
@@ -5156,59 +5215,7 @@
                   </a:schemeClr>
                 </a:solidFill>
               </a:rPr>
-              <a:t>Hansen</a:t>
-            </a:r>
-          </a:p>
-        </p:txBody>
-      </p:sp>
-      <p:sp>
-        <p:nvSpPr>
-          <p:cNvPr id="13" name="Rektangel 12">
-            <a:extLst>
-              <a:ext uri="{FF2B5EF4-FFF2-40B4-BE49-F238E27FC236}">
-                <a16:creationId xmlns:a16="http://schemas.microsoft.com/office/drawing/2014/main" id="{93705218-B299-420B-9E58-060A73FFBE09}"/>
-              </a:ext>
-            </a:extLst>
-          </p:cNvPr>
-          <p:cNvSpPr/>
-          <p:nvPr/>
-        </p:nvSpPr>
-        <p:spPr>
-          <a:xfrm>
-            <a:off x="4717525" y="3367196"/>
-            <a:ext cx="2963206" cy="279761"/>
-          </a:xfrm>
-          <a:prstGeom prst="rect">
-            <a:avLst/>
-          </a:prstGeom>
-        </p:spPr>
-        <p:style>
-          <a:lnRef idx="2">
-            <a:schemeClr val="dk1"/>
-          </a:lnRef>
-          <a:fillRef idx="1">
-            <a:schemeClr val="lt1"/>
-          </a:fillRef>
-          <a:effectRef idx="0">
-            <a:schemeClr val="dk1"/>
-          </a:effectRef>
-          <a:fontRef idx="minor">
-            <a:schemeClr val="dk1"/>
-          </a:fontRef>
-        </p:style>
-        <p:txBody>
-          <a:bodyPr rtlCol="0" anchor="ctr"/>
-          <a:lstStyle/>
-          <a:p>
-            <a:r>
-              <a:rPr lang="da-DK" i="1" dirty="0">
-                <a:solidFill>
-                  <a:schemeClr val="bg1">
-                    <a:lumMod val="65000"/>
-                  </a:schemeClr>
-                </a:solidFill>
-              </a:rPr>
-              <a:t>DD-MM-YYYY</a:t>
+              <a:t>Hans Hansen</a:t>
             </a:r>
           </a:p>
         </p:txBody>
@@ -5228,7 +5235,7 @@
         <p:spPr>
           <a:xfrm>
             <a:off x="4698070" y="3114791"/>
-            <a:ext cx="1058880" cy="307777"/>
+            <a:ext cx="1292470" cy="307777"/>
           </a:xfrm>
           <a:prstGeom prst="rect">
             <a:avLst/>
@@ -5243,7 +5250,7 @@
           <a:p>
             <a:r>
               <a:rPr lang="da-DK" sz="1400" dirty="0"/>
-              <a:t>Fødselsdato</a:t>
+              <a:t>Kontakt person</a:t>
             </a:r>
           </a:p>
         </p:txBody>

--- a/Diagrammer/CC-Web_design/CC_Web_Vinduer.pptx
+++ b/Diagrammer/CC-Web_design/CC_Web_Vinduer.pptx
@@ -5,7 +5,7 @@
     <p:sldMasterId id="2147483648" r:id="rId1"/>
   </p:sldMasterIdLst>
   <p:notesMasterIdLst>
-    <p:notesMasterId r:id="rId8"/>
+    <p:notesMasterId r:id="rId9"/>
   </p:notesMasterIdLst>
   <p:sldIdLst>
     <p:sldId id="256" r:id="rId2"/>
@@ -14,6 +14,7 @@
     <p:sldId id="269" r:id="rId5"/>
     <p:sldId id="259" r:id="rId6"/>
     <p:sldId id="266" r:id="rId7"/>
+    <p:sldId id="270" r:id="rId8"/>
   </p:sldIdLst>
   <p:sldSz cx="12192000" cy="6858000"/>
   <p:notesSz cx="6858000" cy="9144000"/>
@@ -202,7 +203,7 @@
           <a:p>
             <a:fld id="{9B123F91-F4A3-4DE7-98F5-321C0B3DDF78}" type="datetimeFigureOut">
               <a:rPr lang="da-DK" smtClean="0"/>
-              <a:t>28-10-2021</a:t>
+              <a:t>04-11-2021</a:t>
             </a:fld>
             <a:endParaRPr lang="da-DK"/>
           </a:p>
@@ -711,7 +712,7 @@
           <a:p>
             <a:fld id="{283C4389-C94E-476A-A06A-DD68FB615506}" type="datetimeFigureOut">
               <a:rPr lang="da-DK" smtClean="0"/>
-              <a:t>28-10-2021</a:t>
+              <a:t>04-11-2021</a:t>
             </a:fld>
             <a:endParaRPr lang="da-DK"/>
           </a:p>
@@ -909,7 +910,7 @@
           <a:p>
             <a:fld id="{283C4389-C94E-476A-A06A-DD68FB615506}" type="datetimeFigureOut">
               <a:rPr lang="da-DK" smtClean="0"/>
-              <a:t>28-10-2021</a:t>
+              <a:t>04-11-2021</a:t>
             </a:fld>
             <a:endParaRPr lang="da-DK"/>
           </a:p>
@@ -1117,7 +1118,7 @@
           <a:p>
             <a:fld id="{283C4389-C94E-476A-A06A-DD68FB615506}" type="datetimeFigureOut">
               <a:rPr lang="da-DK" smtClean="0"/>
-              <a:t>28-10-2021</a:t>
+              <a:t>04-11-2021</a:t>
             </a:fld>
             <a:endParaRPr lang="da-DK"/>
           </a:p>
@@ -1315,7 +1316,7 @@
           <a:p>
             <a:fld id="{283C4389-C94E-476A-A06A-DD68FB615506}" type="datetimeFigureOut">
               <a:rPr lang="da-DK" smtClean="0"/>
-              <a:t>28-10-2021</a:t>
+              <a:t>04-11-2021</a:t>
             </a:fld>
             <a:endParaRPr lang="da-DK"/>
           </a:p>
@@ -1590,7 +1591,7 @@
           <a:p>
             <a:fld id="{283C4389-C94E-476A-A06A-DD68FB615506}" type="datetimeFigureOut">
               <a:rPr lang="da-DK" smtClean="0"/>
-              <a:t>28-10-2021</a:t>
+              <a:t>04-11-2021</a:t>
             </a:fld>
             <a:endParaRPr lang="da-DK"/>
           </a:p>
@@ -1855,7 +1856,7 @@
           <a:p>
             <a:fld id="{283C4389-C94E-476A-A06A-DD68FB615506}" type="datetimeFigureOut">
               <a:rPr lang="da-DK" smtClean="0"/>
-              <a:t>28-10-2021</a:t>
+              <a:t>04-11-2021</a:t>
             </a:fld>
             <a:endParaRPr lang="da-DK"/>
           </a:p>
@@ -2267,7 +2268,7 @@
           <a:p>
             <a:fld id="{283C4389-C94E-476A-A06A-DD68FB615506}" type="datetimeFigureOut">
               <a:rPr lang="da-DK" smtClean="0"/>
-              <a:t>28-10-2021</a:t>
+              <a:t>04-11-2021</a:t>
             </a:fld>
             <a:endParaRPr lang="da-DK"/>
           </a:p>
@@ -2408,7 +2409,7 @@
           <a:p>
             <a:fld id="{283C4389-C94E-476A-A06A-DD68FB615506}" type="datetimeFigureOut">
               <a:rPr lang="da-DK" smtClean="0"/>
-              <a:t>28-10-2021</a:t>
+              <a:t>04-11-2021</a:t>
             </a:fld>
             <a:endParaRPr lang="da-DK"/>
           </a:p>
@@ -2521,7 +2522,7 @@
           <a:p>
             <a:fld id="{283C4389-C94E-476A-A06A-DD68FB615506}" type="datetimeFigureOut">
               <a:rPr lang="da-DK" smtClean="0"/>
-              <a:t>28-10-2021</a:t>
+              <a:t>04-11-2021</a:t>
             </a:fld>
             <a:endParaRPr lang="da-DK"/>
           </a:p>
@@ -2832,7 +2833,7 @@
           <a:p>
             <a:fld id="{283C4389-C94E-476A-A06A-DD68FB615506}" type="datetimeFigureOut">
               <a:rPr lang="da-DK" smtClean="0"/>
-              <a:t>28-10-2021</a:t>
+              <a:t>04-11-2021</a:t>
             </a:fld>
             <a:endParaRPr lang="da-DK"/>
           </a:p>
@@ -3120,7 +3121,7 @@
           <a:p>
             <a:fld id="{283C4389-C94E-476A-A06A-DD68FB615506}" type="datetimeFigureOut">
               <a:rPr lang="da-DK" smtClean="0"/>
-              <a:t>28-10-2021</a:t>
+              <a:t>04-11-2021</a:t>
             </a:fld>
             <a:endParaRPr lang="da-DK"/>
           </a:p>
@@ -3361,7 +3362,7 @@
           <a:p>
             <a:fld id="{283C4389-C94E-476A-A06A-DD68FB615506}" type="datetimeFigureOut">
               <a:rPr lang="da-DK" smtClean="0"/>
-              <a:t>28-10-2021</a:t>
+              <a:t>04-11-2021</a:t>
             </a:fld>
             <a:endParaRPr lang="da-DK"/>
           </a:p>
@@ -7465,6 +7466,540 @@
     <p:extLst>
       <p:ext uri="{BB962C8B-B14F-4D97-AF65-F5344CB8AC3E}">
         <p14:creationId xmlns:p14="http://schemas.microsoft.com/office/powerpoint/2010/main" val="17750073"/>
+      </p:ext>
+    </p:extLst>
+  </p:cSld>
+  <p:clrMapOvr>
+    <a:masterClrMapping/>
+  </p:clrMapOvr>
+</p:sld>
+</file>
+
+<file path=ppt/slides/slide7.xml><?xml version="1.0" encoding="utf-8"?>
+<p:sld xmlns:a="http://schemas.openxmlformats.org/drawingml/2006/main" xmlns:r="http://schemas.openxmlformats.org/officeDocument/2006/relationships" xmlns:p="http://schemas.openxmlformats.org/presentationml/2006/main">
+  <p:cSld>
+    <p:spTree>
+      <p:nvGrpSpPr>
+        <p:cNvPr id="1" name=""/>
+        <p:cNvGrpSpPr/>
+        <p:nvPr/>
+      </p:nvGrpSpPr>
+      <p:grpSpPr>
+        <a:xfrm>
+          <a:off x="0" y="0"/>
+          <a:ext cx="0" cy="0"/>
+          <a:chOff x="0" y="0"/>
+          <a:chExt cx="0" cy="0"/>
+        </a:xfrm>
+      </p:grpSpPr>
+      <p:sp>
+        <p:nvSpPr>
+          <p:cNvPr id="8" name="Rektangel 7">
+            <a:extLst>
+              <a:ext uri="{FF2B5EF4-FFF2-40B4-BE49-F238E27FC236}">
+                <a16:creationId xmlns:a16="http://schemas.microsoft.com/office/drawing/2014/main" id="{0BCF8323-E73E-44CC-A3CE-086720839B4F}"/>
+              </a:ext>
+            </a:extLst>
+          </p:cNvPr>
+          <p:cNvSpPr/>
+          <p:nvPr/>
+        </p:nvSpPr>
+        <p:spPr>
+          <a:xfrm>
+            <a:off x="5280718" y="2342081"/>
+            <a:ext cx="1776090" cy="2433814"/>
+          </a:xfrm>
+          <a:prstGeom prst="rect">
+            <a:avLst/>
+          </a:prstGeom>
+        </p:spPr>
+        <p:style>
+          <a:lnRef idx="2">
+            <a:schemeClr val="dk1"/>
+          </a:lnRef>
+          <a:fillRef idx="1">
+            <a:schemeClr val="lt1"/>
+          </a:fillRef>
+          <a:effectRef idx="0">
+            <a:schemeClr val="dk1"/>
+          </a:effectRef>
+          <a:fontRef idx="minor">
+            <a:schemeClr val="dk1"/>
+          </a:fontRef>
+        </p:style>
+        <p:txBody>
+          <a:bodyPr rtlCol="0" anchor="ctr"/>
+          <a:lstStyle/>
+          <a:p>
+            <a:pPr algn="ctr"/>
+            <a:endParaRPr lang="da-DK"/>
+          </a:p>
+        </p:txBody>
+      </p:sp>
+      <p:sp>
+        <p:nvSpPr>
+          <p:cNvPr id="9" name="Rektangel 8">
+            <a:extLst>
+              <a:ext uri="{FF2B5EF4-FFF2-40B4-BE49-F238E27FC236}">
+                <a16:creationId xmlns:a16="http://schemas.microsoft.com/office/drawing/2014/main" id="{BE9CEF46-9A1B-4B31-A676-C0CFAD5CAD0C}"/>
+              </a:ext>
+            </a:extLst>
+          </p:cNvPr>
+          <p:cNvSpPr/>
+          <p:nvPr/>
+        </p:nvSpPr>
+        <p:spPr>
+          <a:xfrm>
+            <a:off x="5280718" y="2351016"/>
+            <a:ext cx="1776090" cy="427175"/>
+          </a:xfrm>
+          <a:prstGeom prst="rect">
+            <a:avLst/>
+          </a:prstGeom>
+        </p:spPr>
+        <p:style>
+          <a:lnRef idx="2">
+            <a:schemeClr val="dk1"/>
+          </a:lnRef>
+          <a:fillRef idx="1">
+            <a:schemeClr val="lt1"/>
+          </a:fillRef>
+          <a:effectRef idx="0">
+            <a:schemeClr val="dk1"/>
+          </a:effectRef>
+          <a:fontRef idx="minor">
+            <a:schemeClr val="dk1"/>
+          </a:fontRef>
+        </p:style>
+        <p:txBody>
+          <a:bodyPr rtlCol="0" anchor="ctr"/>
+          <a:lstStyle/>
+          <a:p>
+            <a:pPr algn="ctr"/>
+            <a:r>
+              <a:rPr lang="da-DK" dirty="0"/>
+              <a:t>Pakke 1</a:t>
+            </a:r>
+          </a:p>
+        </p:txBody>
+      </p:sp>
+      <p:sp>
+        <p:nvSpPr>
+          <p:cNvPr id="10" name="Tekstfelt 9">
+            <a:extLst>
+              <a:ext uri="{FF2B5EF4-FFF2-40B4-BE49-F238E27FC236}">
+                <a16:creationId xmlns:a16="http://schemas.microsoft.com/office/drawing/2014/main" id="{3B847692-8FEB-4093-B519-C1932F0CDF3A}"/>
+              </a:ext>
+            </a:extLst>
+          </p:cNvPr>
+          <p:cNvSpPr txBox="1"/>
+          <p:nvPr/>
+        </p:nvSpPr>
+        <p:spPr>
+          <a:xfrm>
+            <a:off x="5836781" y="4406563"/>
+            <a:ext cx="663964" cy="369332"/>
+          </a:xfrm>
+          <a:prstGeom prst="rect">
+            <a:avLst/>
+          </a:prstGeom>
+          <a:noFill/>
+        </p:spPr>
+        <p:txBody>
+          <a:bodyPr wrap="none" rtlCol="0">
+            <a:spAutoFit/>
+          </a:bodyPr>
+          <a:lstStyle/>
+          <a:p>
+            <a:r>
+              <a:rPr lang="da-DK" dirty="0"/>
+              <a:t>149.-</a:t>
+            </a:r>
+          </a:p>
+        </p:txBody>
+      </p:sp>
+      <p:pic>
+        <p:nvPicPr>
+          <p:cNvPr id="11" name="Billede 10">
+            <a:extLst>
+              <a:ext uri="{FF2B5EF4-FFF2-40B4-BE49-F238E27FC236}">
+                <a16:creationId xmlns:a16="http://schemas.microsoft.com/office/drawing/2014/main" id="{83C88DD4-7BEE-4EFA-9743-7B7D0F6B24DE}"/>
+              </a:ext>
+            </a:extLst>
+          </p:cNvPr>
+          <p:cNvPicPr>
+            <a:picLocks noChangeAspect="1"/>
+          </p:cNvPicPr>
+          <p:nvPr/>
+        </p:nvPicPr>
+        <p:blipFill>
+          <a:blip r:embed="rId2">
+            <a:extLst>
+              <a:ext uri="{28A0092B-C50C-407E-A947-70E740481C1C}">
+                <a14:useLocalDpi xmlns:a14="http://schemas.microsoft.com/office/drawing/2010/main" val="0"/>
+              </a:ext>
+            </a:extLst>
+          </a:blip>
+          <a:stretch>
+            <a:fillRect/>
+          </a:stretch>
+        </p:blipFill>
+        <p:spPr>
+          <a:xfrm>
+            <a:off x="5366099" y="2923182"/>
+            <a:ext cx="627285" cy="872572"/>
+          </a:xfrm>
+          <a:prstGeom prst="rect">
+            <a:avLst/>
+          </a:prstGeom>
+        </p:spPr>
+      </p:pic>
+      <p:pic>
+        <p:nvPicPr>
+          <p:cNvPr id="12" name="Billede 11">
+            <a:extLst>
+              <a:ext uri="{FF2B5EF4-FFF2-40B4-BE49-F238E27FC236}">
+                <a16:creationId xmlns:a16="http://schemas.microsoft.com/office/drawing/2014/main" id="{CC0EB86F-0273-489D-8C1B-FF9AD8E36C08}"/>
+              </a:ext>
+            </a:extLst>
+          </p:cNvPr>
+          <p:cNvPicPr>
+            <a:picLocks noChangeAspect="1"/>
+          </p:cNvPicPr>
+          <p:nvPr/>
+        </p:nvPicPr>
+        <p:blipFill>
+          <a:blip r:embed="rId3">
+            <a:extLst>
+              <a:ext uri="{28A0092B-C50C-407E-A947-70E740481C1C}">
+                <a14:useLocalDpi xmlns:a14="http://schemas.microsoft.com/office/drawing/2010/main" val="0"/>
+              </a:ext>
+            </a:extLst>
+          </a:blip>
+          <a:stretch>
+            <a:fillRect/>
+          </a:stretch>
+        </p:blipFill>
+        <p:spPr>
+          <a:xfrm>
+            <a:off x="6224166" y="2923182"/>
+            <a:ext cx="601860" cy="605399"/>
+          </a:xfrm>
+          <a:prstGeom prst="rect">
+            <a:avLst/>
+          </a:prstGeom>
+        </p:spPr>
+      </p:pic>
+      <p:pic>
+        <p:nvPicPr>
+          <p:cNvPr id="13" name="Billede 12">
+            <a:extLst>
+              <a:ext uri="{FF2B5EF4-FFF2-40B4-BE49-F238E27FC236}">
+                <a16:creationId xmlns:a16="http://schemas.microsoft.com/office/drawing/2014/main" id="{9CA66972-9139-4962-8E3E-DA13E39958BD}"/>
+              </a:ext>
+            </a:extLst>
+          </p:cNvPr>
+          <p:cNvPicPr>
+            <a:picLocks noChangeAspect="1"/>
+          </p:cNvPicPr>
+          <p:nvPr/>
+        </p:nvPicPr>
+        <p:blipFill>
+          <a:blip r:embed="rId4">
+            <a:extLst>
+              <a:ext uri="{28A0092B-C50C-407E-A947-70E740481C1C}">
+                <a14:useLocalDpi xmlns:a14="http://schemas.microsoft.com/office/drawing/2010/main" val="0"/>
+              </a:ext>
+            </a:extLst>
+          </a:blip>
+          <a:stretch>
+            <a:fillRect/>
+          </a:stretch>
+        </p:blipFill>
+        <p:spPr>
+          <a:xfrm>
+            <a:off x="6115368" y="3709544"/>
+            <a:ext cx="704554" cy="598707"/>
+          </a:xfrm>
+          <a:prstGeom prst="rect">
+            <a:avLst/>
+          </a:prstGeom>
+        </p:spPr>
+      </p:pic>
+      <p:sp>
+        <p:nvSpPr>
+          <p:cNvPr id="14" name="Rektangel 13">
+            <a:extLst>
+              <a:ext uri="{FF2B5EF4-FFF2-40B4-BE49-F238E27FC236}">
+                <a16:creationId xmlns:a16="http://schemas.microsoft.com/office/drawing/2014/main" id="{5D7764FA-057C-42DF-AD52-EF5D267D65AD}"/>
+              </a:ext>
+            </a:extLst>
+          </p:cNvPr>
+          <p:cNvSpPr/>
+          <p:nvPr/>
+        </p:nvSpPr>
+        <p:spPr>
+          <a:xfrm>
+            <a:off x="7562135" y="2342081"/>
+            <a:ext cx="1776090" cy="2433814"/>
+          </a:xfrm>
+          <a:prstGeom prst="rect">
+            <a:avLst/>
+          </a:prstGeom>
+        </p:spPr>
+        <p:style>
+          <a:lnRef idx="2">
+            <a:schemeClr val="dk1"/>
+          </a:lnRef>
+          <a:fillRef idx="1">
+            <a:schemeClr val="lt1"/>
+          </a:fillRef>
+          <a:effectRef idx="0">
+            <a:schemeClr val="dk1"/>
+          </a:effectRef>
+          <a:fontRef idx="minor">
+            <a:schemeClr val="dk1"/>
+          </a:fontRef>
+        </p:style>
+        <p:txBody>
+          <a:bodyPr rtlCol="0" anchor="ctr"/>
+          <a:lstStyle/>
+          <a:p>
+            <a:pPr algn="ctr"/>
+            <a:endParaRPr lang="da-DK"/>
+          </a:p>
+        </p:txBody>
+      </p:sp>
+      <p:sp>
+        <p:nvSpPr>
+          <p:cNvPr id="15" name="Rektangel 14">
+            <a:extLst>
+              <a:ext uri="{FF2B5EF4-FFF2-40B4-BE49-F238E27FC236}">
+                <a16:creationId xmlns:a16="http://schemas.microsoft.com/office/drawing/2014/main" id="{D0267529-0928-41FB-A286-965366380DB6}"/>
+              </a:ext>
+            </a:extLst>
+          </p:cNvPr>
+          <p:cNvSpPr/>
+          <p:nvPr/>
+        </p:nvSpPr>
+        <p:spPr>
+          <a:xfrm>
+            <a:off x="7562135" y="2351016"/>
+            <a:ext cx="1776090" cy="427175"/>
+          </a:xfrm>
+          <a:prstGeom prst="rect">
+            <a:avLst/>
+          </a:prstGeom>
+        </p:spPr>
+        <p:style>
+          <a:lnRef idx="2">
+            <a:schemeClr val="dk1"/>
+          </a:lnRef>
+          <a:fillRef idx="1">
+            <a:schemeClr val="lt1"/>
+          </a:fillRef>
+          <a:effectRef idx="0">
+            <a:schemeClr val="dk1"/>
+          </a:effectRef>
+          <a:fontRef idx="minor">
+            <a:schemeClr val="dk1"/>
+          </a:fontRef>
+        </p:style>
+        <p:txBody>
+          <a:bodyPr rtlCol="0" anchor="ctr"/>
+          <a:lstStyle/>
+          <a:p>
+            <a:pPr algn="ctr"/>
+            <a:r>
+              <a:rPr lang="da-DK" dirty="0"/>
+              <a:t>Pakke 2</a:t>
+            </a:r>
+          </a:p>
+        </p:txBody>
+      </p:sp>
+      <p:sp>
+        <p:nvSpPr>
+          <p:cNvPr id="16" name="Tekstfelt 15">
+            <a:extLst>
+              <a:ext uri="{FF2B5EF4-FFF2-40B4-BE49-F238E27FC236}">
+                <a16:creationId xmlns:a16="http://schemas.microsoft.com/office/drawing/2014/main" id="{7B1E5542-A0D3-49C8-A451-EA08704F0580}"/>
+              </a:ext>
+            </a:extLst>
+          </p:cNvPr>
+          <p:cNvSpPr txBox="1"/>
+          <p:nvPr/>
+        </p:nvSpPr>
+        <p:spPr>
+          <a:xfrm>
+            <a:off x="8118196" y="4410433"/>
+            <a:ext cx="663964" cy="369332"/>
+          </a:xfrm>
+          <a:prstGeom prst="rect">
+            <a:avLst/>
+          </a:prstGeom>
+          <a:noFill/>
+        </p:spPr>
+        <p:txBody>
+          <a:bodyPr wrap="none" rtlCol="0">
+            <a:spAutoFit/>
+          </a:bodyPr>
+          <a:lstStyle/>
+          <a:p>
+            <a:r>
+              <a:rPr lang="da-DK" dirty="0"/>
+              <a:t>249.-</a:t>
+            </a:r>
+          </a:p>
+        </p:txBody>
+      </p:sp>
+      <p:pic>
+        <p:nvPicPr>
+          <p:cNvPr id="17" name="Billede 16">
+            <a:extLst>
+              <a:ext uri="{FF2B5EF4-FFF2-40B4-BE49-F238E27FC236}">
+                <a16:creationId xmlns:a16="http://schemas.microsoft.com/office/drawing/2014/main" id="{333B12FB-D362-43F4-8BFC-A7E6A2F11F29}"/>
+              </a:ext>
+            </a:extLst>
+          </p:cNvPr>
+          <p:cNvPicPr>
+            <a:picLocks noChangeAspect="1"/>
+          </p:cNvPicPr>
+          <p:nvPr/>
+        </p:nvPicPr>
+        <p:blipFill>
+          <a:blip r:embed="rId5">
+            <a:extLst>
+              <a:ext uri="{28A0092B-C50C-407E-A947-70E740481C1C}">
+                <a14:useLocalDpi xmlns:a14="http://schemas.microsoft.com/office/drawing/2010/main" val="0"/>
+              </a:ext>
+            </a:extLst>
+          </a:blip>
+          <a:stretch>
+            <a:fillRect/>
+          </a:stretch>
+        </p:blipFill>
+        <p:spPr>
+          <a:xfrm>
+            <a:off x="7675576" y="2941052"/>
+            <a:ext cx="613632" cy="509544"/>
+          </a:xfrm>
+          <a:prstGeom prst="rect">
+            <a:avLst/>
+          </a:prstGeom>
+        </p:spPr>
+      </p:pic>
+      <p:pic>
+        <p:nvPicPr>
+          <p:cNvPr id="18" name="Billede 17">
+            <a:extLst>
+              <a:ext uri="{FF2B5EF4-FFF2-40B4-BE49-F238E27FC236}">
+                <a16:creationId xmlns:a16="http://schemas.microsoft.com/office/drawing/2014/main" id="{8BCCC261-206D-4402-8DD9-DB5BDA6FE04B}"/>
+              </a:ext>
+            </a:extLst>
+          </p:cNvPr>
+          <p:cNvPicPr>
+            <a:picLocks noChangeAspect="1"/>
+          </p:cNvPicPr>
+          <p:nvPr/>
+        </p:nvPicPr>
+        <p:blipFill>
+          <a:blip r:embed="rId4">
+            <a:extLst>
+              <a:ext uri="{28A0092B-C50C-407E-A947-70E740481C1C}">
+                <a14:useLocalDpi xmlns:a14="http://schemas.microsoft.com/office/drawing/2010/main" val="0"/>
+              </a:ext>
+            </a:extLst>
+          </a:blip>
+          <a:stretch>
+            <a:fillRect/>
+          </a:stretch>
+        </p:blipFill>
+        <p:spPr>
+          <a:xfrm>
+            <a:off x="8402649" y="2907123"/>
+            <a:ext cx="704554" cy="598707"/>
+          </a:xfrm>
+          <a:prstGeom prst="rect">
+            <a:avLst/>
+          </a:prstGeom>
+        </p:spPr>
+      </p:pic>
+      <p:pic>
+        <p:nvPicPr>
+          <p:cNvPr id="19" name="Billede 18">
+            <a:extLst>
+              <a:ext uri="{FF2B5EF4-FFF2-40B4-BE49-F238E27FC236}">
+                <a16:creationId xmlns:a16="http://schemas.microsoft.com/office/drawing/2014/main" id="{4ED4132E-2BE2-48E6-87F6-98F44340CC1B}"/>
+              </a:ext>
+            </a:extLst>
+          </p:cNvPr>
+          <p:cNvPicPr>
+            <a:picLocks noChangeAspect="1"/>
+          </p:cNvPicPr>
+          <p:nvPr/>
+        </p:nvPicPr>
+        <p:blipFill>
+          <a:blip r:embed="rId2">
+            <a:extLst>
+              <a:ext uri="{28A0092B-C50C-407E-A947-70E740481C1C}">
+                <a14:useLocalDpi xmlns:a14="http://schemas.microsoft.com/office/drawing/2010/main" val="0"/>
+              </a:ext>
+            </a:extLst>
+          </a:blip>
+          <a:stretch>
+            <a:fillRect/>
+          </a:stretch>
+        </p:blipFill>
+        <p:spPr>
+          <a:xfrm>
+            <a:off x="7654572" y="3471504"/>
+            <a:ext cx="627285" cy="872572"/>
+          </a:xfrm>
+          <a:prstGeom prst="rect">
+            <a:avLst/>
+          </a:prstGeom>
+        </p:spPr>
+      </p:pic>
+      <p:pic>
+        <p:nvPicPr>
+          <p:cNvPr id="20" name="Billede 19">
+            <a:extLst>
+              <a:ext uri="{FF2B5EF4-FFF2-40B4-BE49-F238E27FC236}">
+                <a16:creationId xmlns:a16="http://schemas.microsoft.com/office/drawing/2014/main" id="{FB677E8D-BF5B-4886-A836-0C82CCC02F5B}"/>
+              </a:ext>
+            </a:extLst>
+          </p:cNvPr>
+          <p:cNvPicPr>
+            <a:picLocks noChangeAspect="1"/>
+          </p:cNvPicPr>
+          <p:nvPr/>
+        </p:nvPicPr>
+        <p:blipFill>
+          <a:blip r:embed="rId3">
+            <a:extLst>
+              <a:ext uri="{28A0092B-C50C-407E-A947-70E740481C1C}">
+                <a14:useLocalDpi xmlns:a14="http://schemas.microsoft.com/office/drawing/2010/main" val="0"/>
+              </a:ext>
+            </a:extLst>
+          </a:blip>
+          <a:stretch>
+            <a:fillRect/>
+          </a:stretch>
+        </p:blipFill>
+        <p:spPr>
+          <a:xfrm>
+            <a:off x="8453996" y="3623140"/>
+            <a:ext cx="601860" cy="605399"/>
+          </a:xfrm>
+          <a:prstGeom prst="rect">
+            <a:avLst/>
+          </a:prstGeom>
+        </p:spPr>
+      </p:pic>
+    </p:spTree>
+    <p:extLst>
+      <p:ext uri="{BB962C8B-B14F-4D97-AF65-F5344CB8AC3E}">
+        <p14:creationId xmlns:p14="http://schemas.microsoft.com/office/powerpoint/2010/main" val="1833151011"/>
       </p:ext>
     </p:extLst>
   </p:cSld>

--- a/Diagrammer/CC-Web_design/CC_Web_Vinduer.pptx
+++ b/Diagrammer/CC-Web_design/CC_Web_Vinduer.pptx
@@ -5,7 +5,7 @@
     <p:sldMasterId id="2147483648" r:id="rId1"/>
   </p:sldMasterIdLst>
   <p:notesMasterIdLst>
-    <p:notesMasterId r:id="rId9"/>
+    <p:notesMasterId r:id="rId8"/>
   </p:notesMasterIdLst>
   <p:sldIdLst>
     <p:sldId id="256" r:id="rId2"/>
@@ -14,7 +14,6 @@
     <p:sldId id="269" r:id="rId5"/>
     <p:sldId id="259" r:id="rId6"/>
     <p:sldId id="266" r:id="rId7"/>
-    <p:sldId id="270" r:id="rId8"/>
   </p:sldIdLst>
   <p:sldSz cx="12192000" cy="6858000"/>
   <p:notesSz cx="6858000" cy="9144000"/>
@@ -203,7 +202,7 @@
           <a:p>
             <a:fld id="{9B123F91-F4A3-4DE7-98F5-321C0B3DDF78}" type="datetimeFigureOut">
               <a:rPr lang="da-DK" smtClean="0"/>
-              <a:t>04-11-2021</a:t>
+              <a:t>28-10-2021</a:t>
             </a:fld>
             <a:endParaRPr lang="da-DK"/>
           </a:p>
@@ -712,7 +711,7 @@
           <a:p>
             <a:fld id="{283C4389-C94E-476A-A06A-DD68FB615506}" type="datetimeFigureOut">
               <a:rPr lang="da-DK" smtClean="0"/>
-              <a:t>04-11-2021</a:t>
+              <a:t>28-10-2021</a:t>
             </a:fld>
             <a:endParaRPr lang="da-DK"/>
           </a:p>
@@ -910,7 +909,7 @@
           <a:p>
             <a:fld id="{283C4389-C94E-476A-A06A-DD68FB615506}" type="datetimeFigureOut">
               <a:rPr lang="da-DK" smtClean="0"/>
-              <a:t>04-11-2021</a:t>
+              <a:t>28-10-2021</a:t>
             </a:fld>
             <a:endParaRPr lang="da-DK"/>
           </a:p>
@@ -1118,7 +1117,7 @@
           <a:p>
             <a:fld id="{283C4389-C94E-476A-A06A-DD68FB615506}" type="datetimeFigureOut">
               <a:rPr lang="da-DK" smtClean="0"/>
-              <a:t>04-11-2021</a:t>
+              <a:t>28-10-2021</a:t>
             </a:fld>
             <a:endParaRPr lang="da-DK"/>
           </a:p>
@@ -1316,7 +1315,7 @@
           <a:p>
             <a:fld id="{283C4389-C94E-476A-A06A-DD68FB615506}" type="datetimeFigureOut">
               <a:rPr lang="da-DK" smtClean="0"/>
-              <a:t>04-11-2021</a:t>
+              <a:t>28-10-2021</a:t>
             </a:fld>
             <a:endParaRPr lang="da-DK"/>
           </a:p>
@@ -1591,7 +1590,7 @@
           <a:p>
             <a:fld id="{283C4389-C94E-476A-A06A-DD68FB615506}" type="datetimeFigureOut">
               <a:rPr lang="da-DK" smtClean="0"/>
-              <a:t>04-11-2021</a:t>
+              <a:t>28-10-2021</a:t>
             </a:fld>
             <a:endParaRPr lang="da-DK"/>
           </a:p>
@@ -1856,7 +1855,7 @@
           <a:p>
             <a:fld id="{283C4389-C94E-476A-A06A-DD68FB615506}" type="datetimeFigureOut">
               <a:rPr lang="da-DK" smtClean="0"/>
-              <a:t>04-11-2021</a:t>
+              <a:t>28-10-2021</a:t>
             </a:fld>
             <a:endParaRPr lang="da-DK"/>
           </a:p>
@@ -2268,7 +2267,7 @@
           <a:p>
             <a:fld id="{283C4389-C94E-476A-A06A-DD68FB615506}" type="datetimeFigureOut">
               <a:rPr lang="da-DK" smtClean="0"/>
-              <a:t>04-11-2021</a:t>
+              <a:t>28-10-2021</a:t>
             </a:fld>
             <a:endParaRPr lang="da-DK"/>
           </a:p>
@@ -2409,7 +2408,7 @@
           <a:p>
             <a:fld id="{283C4389-C94E-476A-A06A-DD68FB615506}" type="datetimeFigureOut">
               <a:rPr lang="da-DK" smtClean="0"/>
-              <a:t>04-11-2021</a:t>
+              <a:t>28-10-2021</a:t>
             </a:fld>
             <a:endParaRPr lang="da-DK"/>
           </a:p>
@@ -2522,7 +2521,7 @@
           <a:p>
             <a:fld id="{283C4389-C94E-476A-A06A-DD68FB615506}" type="datetimeFigureOut">
               <a:rPr lang="da-DK" smtClean="0"/>
-              <a:t>04-11-2021</a:t>
+              <a:t>28-10-2021</a:t>
             </a:fld>
             <a:endParaRPr lang="da-DK"/>
           </a:p>
@@ -2833,7 +2832,7 @@
           <a:p>
             <a:fld id="{283C4389-C94E-476A-A06A-DD68FB615506}" type="datetimeFigureOut">
               <a:rPr lang="da-DK" smtClean="0"/>
-              <a:t>04-11-2021</a:t>
+              <a:t>28-10-2021</a:t>
             </a:fld>
             <a:endParaRPr lang="da-DK"/>
           </a:p>
@@ -3121,7 +3120,7 @@
           <a:p>
             <a:fld id="{283C4389-C94E-476A-A06A-DD68FB615506}" type="datetimeFigureOut">
               <a:rPr lang="da-DK" smtClean="0"/>
-              <a:t>04-11-2021</a:t>
+              <a:t>28-10-2021</a:t>
             </a:fld>
             <a:endParaRPr lang="da-DK"/>
           </a:p>
@@ -3362,7 +3361,7 @@
           <a:p>
             <a:fld id="{283C4389-C94E-476A-A06A-DD68FB615506}" type="datetimeFigureOut">
               <a:rPr lang="da-DK" smtClean="0"/>
-              <a:t>04-11-2021</a:t>
+              <a:t>28-10-2021</a:t>
             </a:fld>
             <a:endParaRPr lang="da-DK"/>
           </a:p>
@@ -7466,540 +7465,6 @@
     <p:extLst>
       <p:ext uri="{BB962C8B-B14F-4D97-AF65-F5344CB8AC3E}">
         <p14:creationId xmlns:p14="http://schemas.microsoft.com/office/powerpoint/2010/main" val="17750073"/>
-      </p:ext>
-    </p:extLst>
-  </p:cSld>
-  <p:clrMapOvr>
-    <a:masterClrMapping/>
-  </p:clrMapOvr>
-</p:sld>
-</file>
-
-<file path=ppt/slides/slide7.xml><?xml version="1.0" encoding="utf-8"?>
-<p:sld xmlns:a="http://schemas.openxmlformats.org/drawingml/2006/main" xmlns:r="http://schemas.openxmlformats.org/officeDocument/2006/relationships" xmlns:p="http://schemas.openxmlformats.org/presentationml/2006/main">
-  <p:cSld>
-    <p:spTree>
-      <p:nvGrpSpPr>
-        <p:cNvPr id="1" name=""/>
-        <p:cNvGrpSpPr/>
-        <p:nvPr/>
-      </p:nvGrpSpPr>
-      <p:grpSpPr>
-        <a:xfrm>
-          <a:off x="0" y="0"/>
-          <a:ext cx="0" cy="0"/>
-          <a:chOff x="0" y="0"/>
-          <a:chExt cx="0" cy="0"/>
-        </a:xfrm>
-      </p:grpSpPr>
-      <p:sp>
-        <p:nvSpPr>
-          <p:cNvPr id="8" name="Rektangel 7">
-            <a:extLst>
-              <a:ext uri="{FF2B5EF4-FFF2-40B4-BE49-F238E27FC236}">
-                <a16:creationId xmlns:a16="http://schemas.microsoft.com/office/drawing/2014/main" id="{0BCF8323-E73E-44CC-A3CE-086720839B4F}"/>
-              </a:ext>
-            </a:extLst>
-          </p:cNvPr>
-          <p:cNvSpPr/>
-          <p:nvPr/>
-        </p:nvSpPr>
-        <p:spPr>
-          <a:xfrm>
-            <a:off x="5280718" y="2342081"/>
-            <a:ext cx="1776090" cy="2433814"/>
-          </a:xfrm>
-          <a:prstGeom prst="rect">
-            <a:avLst/>
-          </a:prstGeom>
-        </p:spPr>
-        <p:style>
-          <a:lnRef idx="2">
-            <a:schemeClr val="dk1"/>
-          </a:lnRef>
-          <a:fillRef idx="1">
-            <a:schemeClr val="lt1"/>
-          </a:fillRef>
-          <a:effectRef idx="0">
-            <a:schemeClr val="dk1"/>
-          </a:effectRef>
-          <a:fontRef idx="minor">
-            <a:schemeClr val="dk1"/>
-          </a:fontRef>
-        </p:style>
-        <p:txBody>
-          <a:bodyPr rtlCol="0" anchor="ctr"/>
-          <a:lstStyle/>
-          <a:p>
-            <a:pPr algn="ctr"/>
-            <a:endParaRPr lang="da-DK"/>
-          </a:p>
-        </p:txBody>
-      </p:sp>
-      <p:sp>
-        <p:nvSpPr>
-          <p:cNvPr id="9" name="Rektangel 8">
-            <a:extLst>
-              <a:ext uri="{FF2B5EF4-FFF2-40B4-BE49-F238E27FC236}">
-                <a16:creationId xmlns:a16="http://schemas.microsoft.com/office/drawing/2014/main" id="{BE9CEF46-9A1B-4B31-A676-C0CFAD5CAD0C}"/>
-              </a:ext>
-            </a:extLst>
-          </p:cNvPr>
-          <p:cNvSpPr/>
-          <p:nvPr/>
-        </p:nvSpPr>
-        <p:spPr>
-          <a:xfrm>
-            <a:off x="5280718" y="2351016"/>
-            <a:ext cx="1776090" cy="427175"/>
-          </a:xfrm>
-          <a:prstGeom prst="rect">
-            <a:avLst/>
-          </a:prstGeom>
-        </p:spPr>
-        <p:style>
-          <a:lnRef idx="2">
-            <a:schemeClr val="dk1"/>
-          </a:lnRef>
-          <a:fillRef idx="1">
-            <a:schemeClr val="lt1"/>
-          </a:fillRef>
-          <a:effectRef idx="0">
-            <a:schemeClr val="dk1"/>
-          </a:effectRef>
-          <a:fontRef idx="minor">
-            <a:schemeClr val="dk1"/>
-          </a:fontRef>
-        </p:style>
-        <p:txBody>
-          <a:bodyPr rtlCol="0" anchor="ctr"/>
-          <a:lstStyle/>
-          <a:p>
-            <a:pPr algn="ctr"/>
-            <a:r>
-              <a:rPr lang="da-DK" dirty="0"/>
-              <a:t>Pakke 1</a:t>
-            </a:r>
-          </a:p>
-        </p:txBody>
-      </p:sp>
-      <p:sp>
-        <p:nvSpPr>
-          <p:cNvPr id="10" name="Tekstfelt 9">
-            <a:extLst>
-              <a:ext uri="{FF2B5EF4-FFF2-40B4-BE49-F238E27FC236}">
-                <a16:creationId xmlns:a16="http://schemas.microsoft.com/office/drawing/2014/main" id="{3B847692-8FEB-4093-B519-C1932F0CDF3A}"/>
-              </a:ext>
-            </a:extLst>
-          </p:cNvPr>
-          <p:cNvSpPr txBox="1"/>
-          <p:nvPr/>
-        </p:nvSpPr>
-        <p:spPr>
-          <a:xfrm>
-            <a:off x="5836781" y="4406563"/>
-            <a:ext cx="663964" cy="369332"/>
-          </a:xfrm>
-          <a:prstGeom prst="rect">
-            <a:avLst/>
-          </a:prstGeom>
-          <a:noFill/>
-        </p:spPr>
-        <p:txBody>
-          <a:bodyPr wrap="none" rtlCol="0">
-            <a:spAutoFit/>
-          </a:bodyPr>
-          <a:lstStyle/>
-          <a:p>
-            <a:r>
-              <a:rPr lang="da-DK" dirty="0"/>
-              <a:t>149.-</a:t>
-            </a:r>
-          </a:p>
-        </p:txBody>
-      </p:sp>
-      <p:pic>
-        <p:nvPicPr>
-          <p:cNvPr id="11" name="Billede 10">
-            <a:extLst>
-              <a:ext uri="{FF2B5EF4-FFF2-40B4-BE49-F238E27FC236}">
-                <a16:creationId xmlns:a16="http://schemas.microsoft.com/office/drawing/2014/main" id="{83C88DD4-7BEE-4EFA-9743-7B7D0F6B24DE}"/>
-              </a:ext>
-            </a:extLst>
-          </p:cNvPr>
-          <p:cNvPicPr>
-            <a:picLocks noChangeAspect="1"/>
-          </p:cNvPicPr>
-          <p:nvPr/>
-        </p:nvPicPr>
-        <p:blipFill>
-          <a:blip r:embed="rId2">
-            <a:extLst>
-              <a:ext uri="{28A0092B-C50C-407E-A947-70E740481C1C}">
-                <a14:useLocalDpi xmlns:a14="http://schemas.microsoft.com/office/drawing/2010/main" val="0"/>
-              </a:ext>
-            </a:extLst>
-          </a:blip>
-          <a:stretch>
-            <a:fillRect/>
-          </a:stretch>
-        </p:blipFill>
-        <p:spPr>
-          <a:xfrm>
-            <a:off x="5366099" y="2923182"/>
-            <a:ext cx="627285" cy="872572"/>
-          </a:xfrm>
-          <a:prstGeom prst="rect">
-            <a:avLst/>
-          </a:prstGeom>
-        </p:spPr>
-      </p:pic>
-      <p:pic>
-        <p:nvPicPr>
-          <p:cNvPr id="12" name="Billede 11">
-            <a:extLst>
-              <a:ext uri="{FF2B5EF4-FFF2-40B4-BE49-F238E27FC236}">
-                <a16:creationId xmlns:a16="http://schemas.microsoft.com/office/drawing/2014/main" id="{CC0EB86F-0273-489D-8C1B-FF9AD8E36C08}"/>
-              </a:ext>
-            </a:extLst>
-          </p:cNvPr>
-          <p:cNvPicPr>
-            <a:picLocks noChangeAspect="1"/>
-          </p:cNvPicPr>
-          <p:nvPr/>
-        </p:nvPicPr>
-        <p:blipFill>
-          <a:blip r:embed="rId3">
-            <a:extLst>
-              <a:ext uri="{28A0092B-C50C-407E-A947-70E740481C1C}">
-                <a14:useLocalDpi xmlns:a14="http://schemas.microsoft.com/office/drawing/2010/main" val="0"/>
-              </a:ext>
-            </a:extLst>
-          </a:blip>
-          <a:stretch>
-            <a:fillRect/>
-          </a:stretch>
-        </p:blipFill>
-        <p:spPr>
-          <a:xfrm>
-            <a:off x="6224166" y="2923182"/>
-            <a:ext cx="601860" cy="605399"/>
-          </a:xfrm>
-          <a:prstGeom prst="rect">
-            <a:avLst/>
-          </a:prstGeom>
-        </p:spPr>
-      </p:pic>
-      <p:pic>
-        <p:nvPicPr>
-          <p:cNvPr id="13" name="Billede 12">
-            <a:extLst>
-              <a:ext uri="{FF2B5EF4-FFF2-40B4-BE49-F238E27FC236}">
-                <a16:creationId xmlns:a16="http://schemas.microsoft.com/office/drawing/2014/main" id="{9CA66972-9139-4962-8E3E-DA13E39958BD}"/>
-              </a:ext>
-            </a:extLst>
-          </p:cNvPr>
-          <p:cNvPicPr>
-            <a:picLocks noChangeAspect="1"/>
-          </p:cNvPicPr>
-          <p:nvPr/>
-        </p:nvPicPr>
-        <p:blipFill>
-          <a:blip r:embed="rId4">
-            <a:extLst>
-              <a:ext uri="{28A0092B-C50C-407E-A947-70E740481C1C}">
-                <a14:useLocalDpi xmlns:a14="http://schemas.microsoft.com/office/drawing/2010/main" val="0"/>
-              </a:ext>
-            </a:extLst>
-          </a:blip>
-          <a:stretch>
-            <a:fillRect/>
-          </a:stretch>
-        </p:blipFill>
-        <p:spPr>
-          <a:xfrm>
-            <a:off x="6115368" y="3709544"/>
-            <a:ext cx="704554" cy="598707"/>
-          </a:xfrm>
-          <a:prstGeom prst="rect">
-            <a:avLst/>
-          </a:prstGeom>
-        </p:spPr>
-      </p:pic>
-      <p:sp>
-        <p:nvSpPr>
-          <p:cNvPr id="14" name="Rektangel 13">
-            <a:extLst>
-              <a:ext uri="{FF2B5EF4-FFF2-40B4-BE49-F238E27FC236}">
-                <a16:creationId xmlns:a16="http://schemas.microsoft.com/office/drawing/2014/main" id="{5D7764FA-057C-42DF-AD52-EF5D267D65AD}"/>
-              </a:ext>
-            </a:extLst>
-          </p:cNvPr>
-          <p:cNvSpPr/>
-          <p:nvPr/>
-        </p:nvSpPr>
-        <p:spPr>
-          <a:xfrm>
-            <a:off x="7562135" y="2342081"/>
-            <a:ext cx="1776090" cy="2433814"/>
-          </a:xfrm>
-          <a:prstGeom prst="rect">
-            <a:avLst/>
-          </a:prstGeom>
-        </p:spPr>
-        <p:style>
-          <a:lnRef idx="2">
-            <a:schemeClr val="dk1"/>
-          </a:lnRef>
-          <a:fillRef idx="1">
-            <a:schemeClr val="lt1"/>
-          </a:fillRef>
-          <a:effectRef idx="0">
-            <a:schemeClr val="dk1"/>
-          </a:effectRef>
-          <a:fontRef idx="minor">
-            <a:schemeClr val="dk1"/>
-          </a:fontRef>
-        </p:style>
-        <p:txBody>
-          <a:bodyPr rtlCol="0" anchor="ctr"/>
-          <a:lstStyle/>
-          <a:p>
-            <a:pPr algn="ctr"/>
-            <a:endParaRPr lang="da-DK"/>
-          </a:p>
-        </p:txBody>
-      </p:sp>
-      <p:sp>
-        <p:nvSpPr>
-          <p:cNvPr id="15" name="Rektangel 14">
-            <a:extLst>
-              <a:ext uri="{FF2B5EF4-FFF2-40B4-BE49-F238E27FC236}">
-                <a16:creationId xmlns:a16="http://schemas.microsoft.com/office/drawing/2014/main" id="{D0267529-0928-41FB-A286-965366380DB6}"/>
-              </a:ext>
-            </a:extLst>
-          </p:cNvPr>
-          <p:cNvSpPr/>
-          <p:nvPr/>
-        </p:nvSpPr>
-        <p:spPr>
-          <a:xfrm>
-            <a:off x="7562135" y="2351016"/>
-            <a:ext cx="1776090" cy="427175"/>
-          </a:xfrm>
-          <a:prstGeom prst="rect">
-            <a:avLst/>
-          </a:prstGeom>
-        </p:spPr>
-        <p:style>
-          <a:lnRef idx="2">
-            <a:schemeClr val="dk1"/>
-          </a:lnRef>
-          <a:fillRef idx="1">
-            <a:schemeClr val="lt1"/>
-          </a:fillRef>
-          <a:effectRef idx="0">
-            <a:schemeClr val="dk1"/>
-          </a:effectRef>
-          <a:fontRef idx="minor">
-            <a:schemeClr val="dk1"/>
-          </a:fontRef>
-        </p:style>
-        <p:txBody>
-          <a:bodyPr rtlCol="0" anchor="ctr"/>
-          <a:lstStyle/>
-          <a:p>
-            <a:pPr algn="ctr"/>
-            <a:r>
-              <a:rPr lang="da-DK" dirty="0"/>
-              <a:t>Pakke 2</a:t>
-            </a:r>
-          </a:p>
-        </p:txBody>
-      </p:sp>
-      <p:sp>
-        <p:nvSpPr>
-          <p:cNvPr id="16" name="Tekstfelt 15">
-            <a:extLst>
-              <a:ext uri="{FF2B5EF4-FFF2-40B4-BE49-F238E27FC236}">
-                <a16:creationId xmlns:a16="http://schemas.microsoft.com/office/drawing/2014/main" id="{7B1E5542-A0D3-49C8-A451-EA08704F0580}"/>
-              </a:ext>
-            </a:extLst>
-          </p:cNvPr>
-          <p:cNvSpPr txBox="1"/>
-          <p:nvPr/>
-        </p:nvSpPr>
-        <p:spPr>
-          <a:xfrm>
-            <a:off x="8118196" y="4410433"/>
-            <a:ext cx="663964" cy="369332"/>
-          </a:xfrm>
-          <a:prstGeom prst="rect">
-            <a:avLst/>
-          </a:prstGeom>
-          <a:noFill/>
-        </p:spPr>
-        <p:txBody>
-          <a:bodyPr wrap="none" rtlCol="0">
-            <a:spAutoFit/>
-          </a:bodyPr>
-          <a:lstStyle/>
-          <a:p>
-            <a:r>
-              <a:rPr lang="da-DK" dirty="0"/>
-              <a:t>249.-</a:t>
-            </a:r>
-          </a:p>
-        </p:txBody>
-      </p:sp>
-      <p:pic>
-        <p:nvPicPr>
-          <p:cNvPr id="17" name="Billede 16">
-            <a:extLst>
-              <a:ext uri="{FF2B5EF4-FFF2-40B4-BE49-F238E27FC236}">
-                <a16:creationId xmlns:a16="http://schemas.microsoft.com/office/drawing/2014/main" id="{333B12FB-D362-43F4-8BFC-A7E6A2F11F29}"/>
-              </a:ext>
-            </a:extLst>
-          </p:cNvPr>
-          <p:cNvPicPr>
-            <a:picLocks noChangeAspect="1"/>
-          </p:cNvPicPr>
-          <p:nvPr/>
-        </p:nvPicPr>
-        <p:blipFill>
-          <a:blip r:embed="rId5">
-            <a:extLst>
-              <a:ext uri="{28A0092B-C50C-407E-A947-70E740481C1C}">
-                <a14:useLocalDpi xmlns:a14="http://schemas.microsoft.com/office/drawing/2010/main" val="0"/>
-              </a:ext>
-            </a:extLst>
-          </a:blip>
-          <a:stretch>
-            <a:fillRect/>
-          </a:stretch>
-        </p:blipFill>
-        <p:spPr>
-          <a:xfrm>
-            <a:off x="7675576" y="2941052"/>
-            <a:ext cx="613632" cy="509544"/>
-          </a:xfrm>
-          <a:prstGeom prst="rect">
-            <a:avLst/>
-          </a:prstGeom>
-        </p:spPr>
-      </p:pic>
-      <p:pic>
-        <p:nvPicPr>
-          <p:cNvPr id="18" name="Billede 17">
-            <a:extLst>
-              <a:ext uri="{FF2B5EF4-FFF2-40B4-BE49-F238E27FC236}">
-                <a16:creationId xmlns:a16="http://schemas.microsoft.com/office/drawing/2014/main" id="{8BCCC261-206D-4402-8DD9-DB5BDA6FE04B}"/>
-              </a:ext>
-            </a:extLst>
-          </p:cNvPr>
-          <p:cNvPicPr>
-            <a:picLocks noChangeAspect="1"/>
-          </p:cNvPicPr>
-          <p:nvPr/>
-        </p:nvPicPr>
-        <p:blipFill>
-          <a:blip r:embed="rId4">
-            <a:extLst>
-              <a:ext uri="{28A0092B-C50C-407E-A947-70E740481C1C}">
-                <a14:useLocalDpi xmlns:a14="http://schemas.microsoft.com/office/drawing/2010/main" val="0"/>
-              </a:ext>
-            </a:extLst>
-          </a:blip>
-          <a:stretch>
-            <a:fillRect/>
-          </a:stretch>
-        </p:blipFill>
-        <p:spPr>
-          <a:xfrm>
-            <a:off x="8402649" y="2907123"/>
-            <a:ext cx="704554" cy="598707"/>
-          </a:xfrm>
-          <a:prstGeom prst="rect">
-            <a:avLst/>
-          </a:prstGeom>
-        </p:spPr>
-      </p:pic>
-      <p:pic>
-        <p:nvPicPr>
-          <p:cNvPr id="19" name="Billede 18">
-            <a:extLst>
-              <a:ext uri="{FF2B5EF4-FFF2-40B4-BE49-F238E27FC236}">
-                <a16:creationId xmlns:a16="http://schemas.microsoft.com/office/drawing/2014/main" id="{4ED4132E-2BE2-48E6-87F6-98F44340CC1B}"/>
-              </a:ext>
-            </a:extLst>
-          </p:cNvPr>
-          <p:cNvPicPr>
-            <a:picLocks noChangeAspect="1"/>
-          </p:cNvPicPr>
-          <p:nvPr/>
-        </p:nvPicPr>
-        <p:blipFill>
-          <a:blip r:embed="rId2">
-            <a:extLst>
-              <a:ext uri="{28A0092B-C50C-407E-A947-70E740481C1C}">
-                <a14:useLocalDpi xmlns:a14="http://schemas.microsoft.com/office/drawing/2010/main" val="0"/>
-              </a:ext>
-            </a:extLst>
-          </a:blip>
-          <a:stretch>
-            <a:fillRect/>
-          </a:stretch>
-        </p:blipFill>
-        <p:spPr>
-          <a:xfrm>
-            <a:off x="7654572" y="3471504"/>
-            <a:ext cx="627285" cy="872572"/>
-          </a:xfrm>
-          <a:prstGeom prst="rect">
-            <a:avLst/>
-          </a:prstGeom>
-        </p:spPr>
-      </p:pic>
-      <p:pic>
-        <p:nvPicPr>
-          <p:cNvPr id="20" name="Billede 19">
-            <a:extLst>
-              <a:ext uri="{FF2B5EF4-FFF2-40B4-BE49-F238E27FC236}">
-                <a16:creationId xmlns:a16="http://schemas.microsoft.com/office/drawing/2014/main" id="{FB677E8D-BF5B-4886-A836-0C82CCC02F5B}"/>
-              </a:ext>
-            </a:extLst>
-          </p:cNvPr>
-          <p:cNvPicPr>
-            <a:picLocks noChangeAspect="1"/>
-          </p:cNvPicPr>
-          <p:nvPr/>
-        </p:nvPicPr>
-        <p:blipFill>
-          <a:blip r:embed="rId3">
-            <a:extLst>
-              <a:ext uri="{28A0092B-C50C-407E-A947-70E740481C1C}">
-                <a14:useLocalDpi xmlns:a14="http://schemas.microsoft.com/office/drawing/2010/main" val="0"/>
-              </a:ext>
-            </a:extLst>
-          </a:blip>
-          <a:stretch>
-            <a:fillRect/>
-          </a:stretch>
-        </p:blipFill>
-        <p:spPr>
-          <a:xfrm>
-            <a:off x="8453996" y="3623140"/>
-            <a:ext cx="601860" cy="605399"/>
-          </a:xfrm>
-          <a:prstGeom prst="rect">
-            <a:avLst/>
-          </a:prstGeom>
-        </p:spPr>
-      </p:pic>
-    </p:spTree>
-    <p:extLst>
-      <p:ext uri="{BB962C8B-B14F-4D97-AF65-F5344CB8AC3E}">
-        <p14:creationId xmlns:p14="http://schemas.microsoft.com/office/powerpoint/2010/main" val="1833151011"/>
       </p:ext>
     </p:extLst>
   </p:cSld>

--- a/Diagrammer/CC-Web_design/CC_Web_Vinduer.pptx
+++ b/Diagrammer/CC-Web_design/CC_Web_Vinduer.pptx
@@ -5,7 +5,7 @@
     <p:sldMasterId id="2147483648" r:id="rId1"/>
   </p:sldMasterIdLst>
   <p:notesMasterIdLst>
-    <p:notesMasterId r:id="rId8"/>
+    <p:notesMasterId r:id="rId7"/>
   </p:notesMasterIdLst>
   <p:sldIdLst>
     <p:sldId id="256" r:id="rId2"/>
@@ -13,7 +13,6 @@
     <p:sldId id="268" r:id="rId4"/>
     <p:sldId id="269" r:id="rId5"/>
     <p:sldId id="259" r:id="rId6"/>
-    <p:sldId id="266" r:id="rId7"/>
   </p:sldIdLst>
   <p:sldSz cx="12192000" cy="6858000"/>
   <p:notesSz cx="6858000" cy="9144000"/>
@@ -202,7 +201,7 @@
           <a:p>
             <a:fld id="{9B123F91-F4A3-4DE7-98F5-321C0B3DDF78}" type="datetimeFigureOut">
               <a:rPr lang="da-DK" smtClean="0"/>
-              <a:t>28-10-2021</a:t>
+              <a:t>11-11-2021</a:t>
             </a:fld>
             <a:endParaRPr lang="da-DK"/>
           </a:p>
@@ -711,7 +710,7 @@
           <a:p>
             <a:fld id="{283C4389-C94E-476A-A06A-DD68FB615506}" type="datetimeFigureOut">
               <a:rPr lang="da-DK" smtClean="0"/>
-              <a:t>28-10-2021</a:t>
+              <a:t>11-11-2021</a:t>
             </a:fld>
             <a:endParaRPr lang="da-DK"/>
           </a:p>
@@ -909,7 +908,7 @@
           <a:p>
             <a:fld id="{283C4389-C94E-476A-A06A-DD68FB615506}" type="datetimeFigureOut">
               <a:rPr lang="da-DK" smtClean="0"/>
-              <a:t>28-10-2021</a:t>
+              <a:t>11-11-2021</a:t>
             </a:fld>
             <a:endParaRPr lang="da-DK"/>
           </a:p>
@@ -1117,7 +1116,7 @@
           <a:p>
             <a:fld id="{283C4389-C94E-476A-A06A-DD68FB615506}" type="datetimeFigureOut">
               <a:rPr lang="da-DK" smtClean="0"/>
-              <a:t>28-10-2021</a:t>
+              <a:t>11-11-2021</a:t>
             </a:fld>
             <a:endParaRPr lang="da-DK"/>
           </a:p>
@@ -1315,7 +1314,7 @@
           <a:p>
             <a:fld id="{283C4389-C94E-476A-A06A-DD68FB615506}" type="datetimeFigureOut">
               <a:rPr lang="da-DK" smtClean="0"/>
-              <a:t>28-10-2021</a:t>
+              <a:t>11-11-2021</a:t>
             </a:fld>
             <a:endParaRPr lang="da-DK"/>
           </a:p>
@@ -1590,7 +1589,7 @@
           <a:p>
             <a:fld id="{283C4389-C94E-476A-A06A-DD68FB615506}" type="datetimeFigureOut">
               <a:rPr lang="da-DK" smtClean="0"/>
-              <a:t>28-10-2021</a:t>
+              <a:t>11-11-2021</a:t>
             </a:fld>
             <a:endParaRPr lang="da-DK"/>
           </a:p>
@@ -1855,7 +1854,7 @@
           <a:p>
             <a:fld id="{283C4389-C94E-476A-A06A-DD68FB615506}" type="datetimeFigureOut">
               <a:rPr lang="da-DK" smtClean="0"/>
-              <a:t>28-10-2021</a:t>
+              <a:t>11-11-2021</a:t>
             </a:fld>
             <a:endParaRPr lang="da-DK"/>
           </a:p>
@@ -2267,7 +2266,7 @@
           <a:p>
             <a:fld id="{283C4389-C94E-476A-A06A-DD68FB615506}" type="datetimeFigureOut">
               <a:rPr lang="da-DK" smtClean="0"/>
-              <a:t>28-10-2021</a:t>
+              <a:t>11-11-2021</a:t>
             </a:fld>
             <a:endParaRPr lang="da-DK"/>
           </a:p>
@@ -2408,7 +2407,7 @@
           <a:p>
             <a:fld id="{283C4389-C94E-476A-A06A-DD68FB615506}" type="datetimeFigureOut">
               <a:rPr lang="da-DK" smtClean="0"/>
-              <a:t>28-10-2021</a:t>
+              <a:t>11-11-2021</a:t>
             </a:fld>
             <a:endParaRPr lang="da-DK"/>
           </a:p>
@@ -2521,7 +2520,7 @@
           <a:p>
             <a:fld id="{283C4389-C94E-476A-A06A-DD68FB615506}" type="datetimeFigureOut">
               <a:rPr lang="da-DK" smtClean="0"/>
-              <a:t>28-10-2021</a:t>
+              <a:t>11-11-2021</a:t>
             </a:fld>
             <a:endParaRPr lang="da-DK"/>
           </a:p>
@@ -2832,7 +2831,7 @@
           <a:p>
             <a:fld id="{283C4389-C94E-476A-A06A-DD68FB615506}" type="datetimeFigureOut">
               <a:rPr lang="da-DK" smtClean="0"/>
-              <a:t>28-10-2021</a:t>
+              <a:t>11-11-2021</a:t>
             </a:fld>
             <a:endParaRPr lang="da-DK"/>
           </a:p>
@@ -3120,7 +3119,7 @@
           <a:p>
             <a:fld id="{283C4389-C94E-476A-A06A-DD68FB615506}" type="datetimeFigureOut">
               <a:rPr lang="da-DK" smtClean="0"/>
-              <a:t>28-10-2021</a:t>
+              <a:t>11-11-2021</a:t>
             </a:fld>
             <a:endParaRPr lang="da-DK"/>
           </a:p>
@@ -3361,7 +3360,7 @@
           <a:p>
             <a:fld id="{283C4389-C94E-476A-A06A-DD68FB615506}" type="datetimeFigureOut">
               <a:rPr lang="da-DK" smtClean="0"/>
-              <a:t>28-10-2021</a:t>
+              <a:t>11-11-2021</a:t>
             </a:fld>
             <a:endParaRPr lang="da-DK"/>
           </a:p>
@@ -5473,8 +5472,8 @@
         </p:nvSpPr>
         <p:spPr>
           <a:xfrm>
-            <a:off x="2516319" y="556890"/>
-            <a:ext cx="7287699" cy="5362647"/>
+            <a:off x="2516319" y="556889"/>
+            <a:ext cx="7287699" cy="5953913"/>
           </a:xfrm>
           <a:prstGeom prst="rect">
             <a:avLst/>
@@ -5671,8 +5670,8 @@
         </p:nvSpPr>
         <p:spPr>
           <a:xfrm>
-            <a:off x="80234" y="845649"/>
-            <a:ext cx="1718795" cy="800962"/>
+            <a:off x="80233" y="837052"/>
+            <a:ext cx="1718795" cy="400481"/>
           </a:xfrm>
           <a:prstGeom prst="rect">
             <a:avLst/>
@@ -5757,64 +5756,45 @@
       </p:sp>
       <p:sp>
         <p:nvSpPr>
-          <p:cNvPr id="16" name="Rektangel 15">
-            <a:extLst>
-              <a:ext uri="{FF2B5EF4-FFF2-40B4-BE49-F238E27FC236}">
-                <a16:creationId xmlns:a16="http://schemas.microsoft.com/office/drawing/2014/main" id="{393999E0-E7E5-4E27-8FCF-02E0ABB6BF54}"/>
-              </a:ext>
-            </a:extLst>
-          </p:cNvPr>
-          <p:cNvSpPr/>
+          <p:cNvPr id="19" name="Tekstfelt 18">
+            <a:extLst>
+              <a:ext uri="{FF2B5EF4-FFF2-40B4-BE49-F238E27FC236}">
+                <a16:creationId xmlns:a16="http://schemas.microsoft.com/office/drawing/2014/main" id="{873C5E3D-C5CD-4439-AB1B-018B75A9246E}"/>
+              </a:ext>
+            </a:extLst>
+          </p:cNvPr>
+          <p:cNvSpPr txBox="1"/>
           <p:nvPr/>
         </p:nvSpPr>
         <p:spPr>
           <a:xfrm>
-            <a:off x="80234" y="845648"/>
-            <a:ext cx="1718795" cy="391885"/>
+            <a:off x="559747" y="895629"/>
+            <a:ext cx="619657" cy="307777"/>
           </a:xfrm>
           <a:prstGeom prst="rect">
             <a:avLst/>
           </a:prstGeom>
           <a:noFill/>
-          <a:ln w="9525" cap="flat" cmpd="sng" algn="ctr">
-            <a:solidFill>
-              <a:schemeClr val="dk1"/>
-            </a:solidFill>
-            <a:prstDash val="solid"/>
-            <a:round/>
-            <a:headEnd type="none" w="med" len="med"/>
-            <a:tailEnd type="none" w="med" len="med"/>
-          </a:ln>
-        </p:spPr>
-        <p:style>
-          <a:lnRef idx="0">
-            <a:scrgbClr r="0" g="0" b="0"/>
-          </a:lnRef>
-          <a:fillRef idx="0">
-            <a:scrgbClr r="0" g="0" b="0"/>
-          </a:fillRef>
-          <a:effectRef idx="0">
-            <a:scrgbClr r="0" g="0" b="0"/>
-          </a:effectRef>
-          <a:fontRef idx="minor">
-            <a:schemeClr val="dk1"/>
-          </a:fontRef>
-        </p:style>
-        <p:txBody>
-          <a:bodyPr rtlCol="0" anchor="ctr"/>
-          <a:lstStyle/>
-          <a:p>
-            <a:pPr algn="ctr"/>
-            <a:endParaRPr lang="da-DK"/>
-          </a:p>
-        </p:txBody>
-      </p:sp>
-      <p:sp>
-        <p:nvSpPr>
-          <p:cNvPr id="17" name="Tekstfelt 16">
-            <a:extLst>
-              <a:ext uri="{FF2B5EF4-FFF2-40B4-BE49-F238E27FC236}">
-                <a16:creationId xmlns:a16="http://schemas.microsoft.com/office/drawing/2014/main" id="{D8AA355A-1381-444B-96F2-D5DA61CF7076}"/>
+        </p:spPr>
+        <p:txBody>
+          <a:bodyPr wrap="none" rtlCol="0">
+            <a:spAutoFit/>
+          </a:bodyPr>
+          <a:lstStyle/>
+          <a:p>
+            <a:r>
+              <a:rPr lang="da-DK" sz="1400" dirty="0"/>
+              <a:t>Log af</a:t>
+            </a:r>
+          </a:p>
+        </p:txBody>
+      </p:sp>
+      <p:sp>
+        <p:nvSpPr>
+          <p:cNvPr id="39" name="Tekstfelt 38">
+            <a:extLst>
+              <a:ext uri="{FF2B5EF4-FFF2-40B4-BE49-F238E27FC236}">
+                <a16:creationId xmlns:a16="http://schemas.microsoft.com/office/drawing/2014/main" id="{5822883F-62C5-4BB6-82BB-C302FDF1B38C}"/>
               </a:ext>
             </a:extLst>
           </p:cNvPr>
@@ -5823,8 +5803,8 @@
         </p:nvSpPr>
         <p:spPr>
           <a:xfrm>
-            <a:off x="211444" y="1288182"/>
-            <a:ext cx="1438151" cy="307777"/>
+            <a:off x="2716187" y="1993228"/>
+            <a:ext cx="2292744" cy="2492990"/>
           </a:xfrm>
           <a:prstGeom prst="rect">
             <a:avLst/>
@@ -5838,18 +5818,75 @@
           <a:lstStyle/>
           <a:p>
             <a:r>
+              <a:rPr lang="da-DK" sz="1600" b="1" dirty="0"/>
+              <a:t>Virksomheds profil</a:t>
+            </a:r>
+          </a:p>
+          <a:p>
+            <a:endParaRPr lang="da-DK" sz="1400" dirty="0"/>
+          </a:p>
+          <a:p>
+            <a:r>
               <a:rPr lang="da-DK" sz="1400" dirty="0"/>
-              <a:t>Tilmeld pubcrawl</a:t>
-            </a:r>
-          </a:p>
-        </p:txBody>
-      </p:sp>
-      <p:sp>
-        <p:nvSpPr>
-          <p:cNvPr id="18" name="Rektangel 17">
-            <a:extLst>
-              <a:ext uri="{FF2B5EF4-FFF2-40B4-BE49-F238E27FC236}">
-                <a16:creationId xmlns:a16="http://schemas.microsoft.com/office/drawing/2014/main" id="{ED26AC28-7886-448F-BCEB-4492DAE03424}"/>
+              <a:t>CVR-nummer: 12345678</a:t>
+            </a:r>
+          </a:p>
+          <a:p>
+            <a:endParaRPr lang="da-DK" sz="1400" dirty="0"/>
+          </a:p>
+          <a:p>
+            <a:r>
+              <a:rPr lang="da-DK" sz="1400" dirty="0"/>
+              <a:t>Virksomhedsnavn: </a:t>
+            </a:r>
+            <a:r>
+              <a:rPr lang="da-DK" sz="1400" dirty="0" err="1"/>
+              <a:t>CityCrawl</a:t>
+            </a:r>
+            <a:endParaRPr lang="da-DK" sz="1400" dirty="0"/>
+          </a:p>
+          <a:p>
+            <a:endParaRPr lang="da-DK" sz="1400" dirty="0"/>
+          </a:p>
+          <a:p>
+            <a:r>
+              <a:rPr lang="da-DK" sz="1400" dirty="0"/>
+              <a:t>Kontaktperson: Hans Hansen</a:t>
+            </a:r>
+          </a:p>
+          <a:p>
+            <a:endParaRPr lang="da-DK" sz="1400" dirty="0"/>
+          </a:p>
+          <a:p>
+            <a:r>
+              <a:rPr lang="da-DK" sz="1400" dirty="0"/>
+              <a:t>E-mail: </a:t>
+            </a:r>
+            <a:r>
+              <a:rPr lang="da-DK" sz="1400" dirty="0">
+                <a:hlinkClick r:id="rId4"/>
+              </a:rPr>
+              <a:t>hans@hansen.dk</a:t>
+            </a:r>
+            <a:endParaRPr lang="da-DK" sz="1400" dirty="0"/>
+          </a:p>
+          <a:p>
+            <a:endParaRPr lang="da-DK" sz="1400" dirty="0"/>
+          </a:p>
+          <a:p>
+            <a:r>
+              <a:rPr lang="da-DK" sz="1400" dirty="0"/>
+              <a:t>Virksomhedsbeskrivelse</a:t>
+            </a:r>
+          </a:p>
+        </p:txBody>
+      </p:sp>
+      <p:sp>
+        <p:nvSpPr>
+          <p:cNvPr id="40" name="Rektangel 39">
+            <a:extLst>
+              <a:ext uri="{FF2B5EF4-FFF2-40B4-BE49-F238E27FC236}">
+                <a16:creationId xmlns:a16="http://schemas.microsoft.com/office/drawing/2014/main" id="{0661FD46-3F91-4718-B5C7-53F1E0978858}"/>
               </a:ext>
             </a:extLst>
           </p:cNvPr>
@@ -5858,67 +5895,61 @@
         </p:nvSpPr>
         <p:spPr>
           <a:xfrm>
-            <a:off x="71123" y="1246129"/>
-            <a:ext cx="1718795" cy="391885"/>
+            <a:off x="7293221" y="2204345"/>
+            <a:ext cx="1986441" cy="2328931"/>
+          </a:xfrm>
+          <a:prstGeom prst="rect">
+            <a:avLst/>
+          </a:prstGeom>
+          <a:ln>
+            <a:headEnd type="none" w="med" len="med"/>
+            <a:tailEnd type="none" w="med" len="med"/>
+          </a:ln>
+        </p:spPr>
+        <p:style>
+          <a:lnRef idx="2">
+            <a:schemeClr val="dk1"/>
+          </a:lnRef>
+          <a:fillRef idx="1">
+            <a:schemeClr val="lt1"/>
+          </a:fillRef>
+          <a:effectRef idx="0">
+            <a:schemeClr val="dk1"/>
+          </a:effectRef>
+          <a:fontRef idx="minor">
+            <a:schemeClr val="dk1"/>
+          </a:fontRef>
+        </p:style>
+        <p:txBody>
+          <a:bodyPr rtlCol="0" anchor="ctr"/>
+          <a:lstStyle/>
+          <a:p>
+            <a:pPr algn="ctr"/>
+            <a:endParaRPr lang="da-DK"/>
+          </a:p>
+        </p:txBody>
+      </p:sp>
+      <p:sp>
+        <p:nvSpPr>
+          <p:cNvPr id="41" name="Tekstfelt 40">
+            <a:extLst>
+              <a:ext uri="{FF2B5EF4-FFF2-40B4-BE49-F238E27FC236}">
+                <a16:creationId xmlns:a16="http://schemas.microsoft.com/office/drawing/2014/main" id="{51C60105-AD27-4712-98A7-3DF8CB25C2FE}"/>
+              </a:ext>
+            </a:extLst>
+          </p:cNvPr>
+          <p:cNvSpPr txBox="1"/>
+          <p:nvPr/>
+        </p:nvSpPr>
+        <p:spPr>
+          <a:xfrm>
+            <a:off x="7198685" y="1845284"/>
+            <a:ext cx="2047035" cy="646331"/>
           </a:xfrm>
           <a:prstGeom prst="rect">
             <a:avLst/>
           </a:prstGeom>
           <a:noFill/>
-          <a:ln w="9525" cap="flat" cmpd="sng" algn="ctr">
-            <a:solidFill>
-              <a:schemeClr val="dk1"/>
-            </a:solidFill>
-            <a:prstDash val="solid"/>
-            <a:round/>
-            <a:headEnd type="none" w="med" len="med"/>
-            <a:tailEnd type="none" w="med" len="med"/>
-          </a:ln>
-        </p:spPr>
-        <p:style>
-          <a:lnRef idx="0">
-            <a:scrgbClr r="0" g="0" b="0"/>
-          </a:lnRef>
-          <a:fillRef idx="0">
-            <a:scrgbClr r="0" g="0" b="0"/>
-          </a:fillRef>
-          <a:effectRef idx="0">
-            <a:scrgbClr r="0" g="0" b="0"/>
-          </a:effectRef>
-          <a:fontRef idx="minor">
-            <a:schemeClr val="dk1"/>
-          </a:fontRef>
-        </p:style>
-        <p:txBody>
-          <a:bodyPr rtlCol="0" anchor="ctr"/>
-          <a:lstStyle/>
-          <a:p>
-            <a:pPr algn="ctr"/>
-            <a:endParaRPr lang="da-DK"/>
-          </a:p>
-        </p:txBody>
-      </p:sp>
-      <p:sp>
-        <p:nvSpPr>
-          <p:cNvPr id="19" name="Tekstfelt 18">
-            <a:extLst>
-              <a:ext uri="{FF2B5EF4-FFF2-40B4-BE49-F238E27FC236}">
-                <a16:creationId xmlns:a16="http://schemas.microsoft.com/office/drawing/2014/main" id="{873C5E3D-C5CD-4439-AB1B-018B75A9246E}"/>
-              </a:ext>
-            </a:extLst>
-          </p:cNvPr>
-          <p:cNvSpPr txBox="1"/>
-          <p:nvPr/>
-        </p:nvSpPr>
-        <p:spPr>
-          <a:xfrm>
-            <a:off x="517425" y="883350"/>
-            <a:ext cx="826188" cy="307777"/>
-          </a:xfrm>
-          <a:prstGeom prst="rect">
-            <a:avLst/>
-          </a:prstGeom>
-          <a:noFill/>
         </p:spPr>
         <p:txBody>
           <a:bodyPr wrap="none" rtlCol="0">
@@ -5927,54 +5958,21 @@
           <a:lstStyle/>
           <a:p>
             <a:r>
-              <a:rPr lang="da-DK" sz="1400" dirty="0"/>
-              <a:t>Vis profil</a:t>
-            </a:r>
+              <a:rPr lang="da-DK" sz="1800" b="1" dirty="0"/>
+              <a:t>Bookede pubcrawls</a:t>
+            </a:r>
+          </a:p>
+          <a:p>
+            <a:endParaRPr lang="da-DK" dirty="0"/>
           </a:p>
         </p:txBody>
       </p:sp>
       <p:pic>
         <p:nvPicPr>
-          <p:cNvPr id="32" name="Billede 31">
-            <a:extLst>
-              <a:ext uri="{FF2B5EF4-FFF2-40B4-BE49-F238E27FC236}">
-                <a16:creationId xmlns:a16="http://schemas.microsoft.com/office/drawing/2014/main" id="{D5D1C13F-7D09-4BBC-9AAE-01AFB37F434D}"/>
-              </a:ext>
-            </a:extLst>
-          </p:cNvPr>
-          <p:cNvPicPr>
-            <a:picLocks noChangeAspect="1"/>
-          </p:cNvPicPr>
-          <p:nvPr/>
-        </p:nvPicPr>
-        <p:blipFill>
-          <a:blip r:embed="rId4">
-            <a:extLst>
-              <a:ext uri="{28A0092B-C50C-407E-A947-70E740481C1C}">
-                <a14:useLocalDpi xmlns:a14="http://schemas.microsoft.com/office/drawing/2010/main" val="0"/>
-              </a:ext>
-            </a:extLst>
-          </a:blip>
-          <a:stretch>
-            <a:fillRect/>
-          </a:stretch>
-        </p:blipFill>
-        <p:spPr>
-          <a:xfrm>
-            <a:off x="2869423" y="4790402"/>
-            <a:ext cx="754702" cy="1049813"/>
-          </a:xfrm>
-          <a:prstGeom prst="rect">
-            <a:avLst/>
-          </a:prstGeom>
-        </p:spPr>
-      </p:pic>
-      <p:pic>
-        <p:nvPicPr>
-          <p:cNvPr id="34" name="Billede 33">
-            <a:extLst>
-              <a:ext uri="{FF2B5EF4-FFF2-40B4-BE49-F238E27FC236}">
-                <a16:creationId xmlns:a16="http://schemas.microsoft.com/office/drawing/2014/main" id="{076CBF62-96B7-43AB-8C94-7A41F26E6ECB}"/>
+          <p:cNvPr id="20" name="Billede 19">
+            <a:extLst>
+              <a:ext uri="{FF2B5EF4-FFF2-40B4-BE49-F238E27FC236}">
+                <a16:creationId xmlns:a16="http://schemas.microsoft.com/office/drawing/2014/main" id="{A0D35114-CF91-4771-A09B-9B1342D4D5B4}"/>
               </a:ext>
             </a:extLst>
           </p:cNvPr>
@@ -5997,163 +5995,20 @@
         </p:blipFill>
         <p:spPr>
           <a:xfrm>
-            <a:off x="4468956" y="4862849"/>
-            <a:ext cx="1017891" cy="977366"/>
+            <a:off x="5689217" y="1049518"/>
+            <a:ext cx="813564" cy="815448"/>
           </a:xfrm>
           <a:prstGeom prst="rect">
             <a:avLst/>
           </a:prstGeom>
         </p:spPr>
       </p:pic>
-      <p:pic>
-        <p:nvPicPr>
-          <p:cNvPr id="36" name="Billede 35">
-            <a:extLst>
-              <a:ext uri="{FF2B5EF4-FFF2-40B4-BE49-F238E27FC236}">
-                <a16:creationId xmlns:a16="http://schemas.microsoft.com/office/drawing/2014/main" id="{CF3D7C60-E80A-4D00-9565-8639382145B3}"/>
-              </a:ext>
-            </a:extLst>
-          </p:cNvPr>
-          <p:cNvPicPr>
-            <a:picLocks noChangeAspect="1"/>
-          </p:cNvPicPr>
-          <p:nvPr/>
-        </p:nvPicPr>
-        <p:blipFill>
-          <a:blip r:embed="rId6">
-            <a:extLst>
-              <a:ext uri="{28A0092B-C50C-407E-A947-70E740481C1C}">
-                <a14:useLocalDpi xmlns:a14="http://schemas.microsoft.com/office/drawing/2010/main" val="0"/>
-              </a:ext>
-            </a:extLst>
-          </a:blip>
-          <a:stretch>
-            <a:fillRect/>
-          </a:stretch>
-        </p:blipFill>
-        <p:spPr>
-          <a:xfrm>
-            <a:off x="6705155" y="5001442"/>
-            <a:ext cx="987061" cy="838773"/>
-          </a:xfrm>
-          <a:prstGeom prst="rect">
-            <a:avLst/>
-          </a:prstGeom>
-        </p:spPr>
-      </p:pic>
-      <p:pic>
-        <p:nvPicPr>
-          <p:cNvPr id="38" name="Billede 37">
-            <a:extLst>
-              <a:ext uri="{FF2B5EF4-FFF2-40B4-BE49-F238E27FC236}">
-                <a16:creationId xmlns:a16="http://schemas.microsoft.com/office/drawing/2014/main" id="{110CD87A-0711-4673-91AA-B94E95F20538}"/>
-              </a:ext>
-            </a:extLst>
-          </p:cNvPr>
-          <p:cNvPicPr>
-            <a:picLocks noChangeAspect="1"/>
-          </p:cNvPicPr>
-          <p:nvPr/>
-        </p:nvPicPr>
-        <p:blipFill>
-          <a:blip r:embed="rId7">
-            <a:extLst>
-              <a:ext uri="{28A0092B-C50C-407E-A947-70E740481C1C}">
-                <a14:useLocalDpi xmlns:a14="http://schemas.microsoft.com/office/drawing/2010/main" val="0"/>
-              </a:ext>
-            </a:extLst>
-          </a:blip>
-          <a:stretch>
-            <a:fillRect/>
-          </a:stretch>
-        </p:blipFill>
-        <p:spPr>
-          <a:xfrm>
-            <a:off x="8322013" y="4790402"/>
-            <a:ext cx="1177021" cy="977366"/>
-          </a:xfrm>
-          <a:prstGeom prst="rect">
-            <a:avLst/>
-          </a:prstGeom>
-        </p:spPr>
-      </p:pic>
-      <p:sp>
-        <p:nvSpPr>
-          <p:cNvPr id="39" name="Tekstfelt 38">
-            <a:extLst>
-              <a:ext uri="{FF2B5EF4-FFF2-40B4-BE49-F238E27FC236}">
-                <a16:creationId xmlns:a16="http://schemas.microsoft.com/office/drawing/2014/main" id="{5822883F-62C5-4BB6-82BB-C302FDF1B38C}"/>
-              </a:ext>
-            </a:extLst>
-          </p:cNvPr>
-          <p:cNvSpPr txBox="1"/>
-          <p:nvPr/>
-        </p:nvSpPr>
-        <p:spPr>
-          <a:xfrm>
-            <a:off x="2716187" y="1993228"/>
-            <a:ext cx="1986441" cy="2062103"/>
-          </a:xfrm>
-          <a:prstGeom prst="rect">
-            <a:avLst/>
-          </a:prstGeom>
-          <a:noFill/>
-        </p:spPr>
-        <p:txBody>
-          <a:bodyPr wrap="none" rtlCol="0">
-            <a:spAutoFit/>
-          </a:bodyPr>
-          <a:lstStyle/>
-          <a:p>
-            <a:r>
-              <a:rPr lang="da-DK" sz="1600" b="1" dirty="0"/>
-              <a:t>Min profil</a:t>
-            </a:r>
-          </a:p>
-          <a:p>
-            <a:endParaRPr lang="da-DK" sz="1400" dirty="0"/>
-          </a:p>
-          <a:p>
-            <a:r>
-              <a:rPr lang="da-DK" sz="1400" dirty="0"/>
-              <a:t>Fornavn: Hans</a:t>
-            </a:r>
-          </a:p>
-          <a:p>
-            <a:endParaRPr lang="da-DK" sz="1400" dirty="0"/>
-          </a:p>
-          <a:p>
-            <a:r>
-              <a:rPr lang="da-DK" sz="1400" dirty="0"/>
-              <a:t>Efternavn: Hansen</a:t>
-            </a:r>
-          </a:p>
-          <a:p>
-            <a:endParaRPr lang="da-DK" sz="1400" dirty="0"/>
-          </a:p>
-          <a:p>
-            <a:r>
-              <a:rPr lang="da-DK" sz="1400" dirty="0"/>
-              <a:t>Fødselsdag: 01-01-1991</a:t>
-            </a:r>
-          </a:p>
-          <a:p>
-            <a:endParaRPr lang="da-DK" sz="1400" dirty="0"/>
-          </a:p>
-          <a:p>
-            <a:r>
-              <a:rPr lang="da-DK" sz="1400" dirty="0"/>
-              <a:t>E-mail: hans@hansen.dk</a:t>
-            </a:r>
-          </a:p>
-        </p:txBody>
-      </p:sp>
-      <p:sp>
-        <p:nvSpPr>
-          <p:cNvPr id="40" name="Rektangel 39">
-            <a:extLst>
-              <a:ext uri="{FF2B5EF4-FFF2-40B4-BE49-F238E27FC236}">
-                <a16:creationId xmlns:a16="http://schemas.microsoft.com/office/drawing/2014/main" id="{0661FD46-3F91-4718-B5C7-53F1E0978858}"/>
+      <p:sp>
+        <p:nvSpPr>
+          <p:cNvPr id="21" name="Rektangel 20">
+            <a:extLst>
+              <a:ext uri="{FF2B5EF4-FFF2-40B4-BE49-F238E27FC236}">
+                <a16:creationId xmlns:a16="http://schemas.microsoft.com/office/drawing/2014/main" id="{55097D83-5BEE-4879-9650-5A7199CF4FDC}"/>
               </a:ext>
             </a:extLst>
           </p:cNvPr>
@@ -6162,8 +6017,8 @@
         </p:nvSpPr>
         <p:spPr>
           <a:xfrm>
-            <a:off x="7293221" y="2204345"/>
-            <a:ext cx="1986441" cy="2328931"/>
+            <a:off x="2799370" y="4616684"/>
+            <a:ext cx="2209561" cy="1172454"/>
           </a:xfrm>
           <a:prstGeom prst="rect">
             <a:avLst/>
@@ -6198,114 +6053,10 @@
       </p:sp>
       <p:sp>
         <p:nvSpPr>
-          <p:cNvPr id="41" name="Tekstfelt 40">
-            <a:extLst>
-              <a:ext uri="{FF2B5EF4-FFF2-40B4-BE49-F238E27FC236}">
-                <a16:creationId xmlns:a16="http://schemas.microsoft.com/office/drawing/2014/main" id="{51C60105-AD27-4712-98A7-3DF8CB25C2FE}"/>
-              </a:ext>
-            </a:extLst>
-          </p:cNvPr>
-          <p:cNvSpPr txBox="1"/>
-          <p:nvPr/>
-        </p:nvSpPr>
-        <p:spPr>
-          <a:xfrm>
-            <a:off x="7198685" y="1845284"/>
-            <a:ext cx="1617302" cy="646331"/>
-          </a:xfrm>
-          <a:prstGeom prst="rect">
-            <a:avLst/>
-          </a:prstGeom>
-          <a:noFill/>
-        </p:spPr>
-        <p:txBody>
-          <a:bodyPr wrap="none" rtlCol="0">
-            <a:spAutoFit/>
-          </a:bodyPr>
-          <a:lstStyle/>
-          <a:p>
-            <a:r>
-              <a:rPr lang="da-DK" sz="1800" b="1" dirty="0"/>
-              <a:t>Mine pubcrawl</a:t>
-            </a:r>
-          </a:p>
-          <a:p>
-            <a:endParaRPr lang="da-DK" dirty="0"/>
-          </a:p>
-        </p:txBody>
-      </p:sp>
-      <p:pic>
-        <p:nvPicPr>
-          <p:cNvPr id="20" name="Billede 19">
-            <a:extLst>
-              <a:ext uri="{FF2B5EF4-FFF2-40B4-BE49-F238E27FC236}">
-                <a16:creationId xmlns:a16="http://schemas.microsoft.com/office/drawing/2014/main" id="{A0D35114-CF91-4771-A09B-9B1342D4D5B4}"/>
-              </a:ext>
-            </a:extLst>
-          </p:cNvPr>
-          <p:cNvPicPr>
-            <a:picLocks noChangeAspect="1"/>
-          </p:cNvPicPr>
-          <p:nvPr/>
-        </p:nvPicPr>
-        <p:blipFill>
-          <a:blip r:embed="rId8">
-            <a:extLst>
-              <a:ext uri="{28A0092B-C50C-407E-A947-70E740481C1C}">
-                <a14:useLocalDpi xmlns:a14="http://schemas.microsoft.com/office/drawing/2010/main" val="0"/>
-              </a:ext>
-            </a:extLst>
-          </a:blip>
-          <a:stretch>
-            <a:fillRect/>
-          </a:stretch>
-        </p:blipFill>
-        <p:spPr>
-          <a:xfrm>
-            <a:off x="5689217" y="1049518"/>
-            <a:ext cx="813564" cy="815448"/>
-          </a:xfrm>
-          <a:prstGeom prst="rect">
-            <a:avLst/>
-          </a:prstGeom>
-        </p:spPr>
-      </p:pic>
-    </p:spTree>
-    <p:extLst>
-      <p:ext uri="{BB962C8B-B14F-4D97-AF65-F5344CB8AC3E}">
-        <p14:creationId xmlns:p14="http://schemas.microsoft.com/office/powerpoint/2010/main" val="1173661229"/>
-      </p:ext>
-    </p:extLst>
-  </p:cSld>
-  <p:clrMapOvr>
-    <a:masterClrMapping/>
-  </p:clrMapOvr>
-</p:sld>
-</file>
-
-<file path=ppt/slides/slide6.xml><?xml version="1.0" encoding="utf-8"?>
-<p:sld xmlns:a="http://schemas.openxmlformats.org/drawingml/2006/main" xmlns:r="http://schemas.openxmlformats.org/officeDocument/2006/relationships" xmlns:p="http://schemas.openxmlformats.org/presentationml/2006/main">
-  <p:cSld>
-    <p:spTree>
-      <p:nvGrpSpPr>
-        <p:cNvPr id="1" name=""/>
-        <p:cNvGrpSpPr/>
-        <p:nvPr/>
-      </p:nvGrpSpPr>
-      <p:grpSpPr>
-        <a:xfrm>
-          <a:off x="0" y="0"/>
-          <a:ext cx="0" cy="0"/>
-          <a:chOff x="0" y="0"/>
-          <a:chExt cx="0" cy="0"/>
-        </a:xfrm>
-      </p:grpSpPr>
-      <p:sp>
-        <p:nvSpPr>
-          <p:cNvPr id="2" name="Rektangel 1">
-            <a:extLst>
-              <a:ext uri="{FF2B5EF4-FFF2-40B4-BE49-F238E27FC236}">
-                <a16:creationId xmlns:a16="http://schemas.microsoft.com/office/drawing/2014/main" id="{F0843A3C-97D4-4389-AC3C-B10075A34C75}"/>
+          <p:cNvPr id="22" name="Rektangel 21">
+            <a:extLst>
+              <a:ext uri="{FF2B5EF4-FFF2-40B4-BE49-F238E27FC236}">
+                <a16:creationId xmlns:a16="http://schemas.microsoft.com/office/drawing/2014/main" id="{EEBBC214-31CE-43A1-87E1-A4D27C61EC0E}"/>
               </a:ext>
             </a:extLst>
           </p:cNvPr>
@@ -6314,16 +6065,14 @@
         </p:nvSpPr>
         <p:spPr>
           <a:xfrm>
-            <a:off x="2516319" y="556890"/>
-            <a:ext cx="7287699" cy="5362647"/>
+            <a:off x="2799370" y="5919604"/>
+            <a:ext cx="1333787" cy="405636"/>
           </a:xfrm>
           <a:prstGeom prst="rect">
             <a:avLst/>
           </a:prstGeom>
           <a:solidFill>
-            <a:schemeClr val="bg1">
-              <a:lumMod val="85000"/>
-            </a:schemeClr>
+            <a:srgbClr val="DCA2F6"/>
           </a:solidFill>
         </p:spPr>
         <p:style>
@@ -6345,1126 +6094,17 @@
           <a:lstStyle/>
           <a:p>
             <a:pPr algn="ctr"/>
-            <a:endParaRPr lang="da-DK" dirty="0"/>
-          </a:p>
-        </p:txBody>
-      </p:sp>
-      <p:sp>
-        <p:nvSpPr>
-          <p:cNvPr id="3" name="Rektangel 2">
-            <a:extLst>
-              <a:ext uri="{FF2B5EF4-FFF2-40B4-BE49-F238E27FC236}">
-                <a16:creationId xmlns:a16="http://schemas.microsoft.com/office/drawing/2014/main" id="{F0489F46-3CB5-46CE-82C1-67FA9B9042F4}"/>
-              </a:ext>
-            </a:extLst>
-          </p:cNvPr>
-          <p:cNvSpPr/>
-          <p:nvPr/>
-        </p:nvSpPr>
-        <p:spPr>
-          <a:xfrm>
-            <a:off x="2516319" y="556890"/>
-            <a:ext cx="7287700" cy="288758"/>
-          </a:xfrm>
-          <a:prstGeom prst="rect">
-            <a:avLst/>
-          </a:prstGeom>
-          <a:solidFill>
-            <a:schemeClr val="bg1">
-              <a:lumMod val="65000"/>
-            </a:schemeClr>
-          </a:solidFill>
-          <a:ln>
-            <a:solidFill>
-              <a:schemeClr val="tx1"/>
-            </a:solidFill>
-          </a:ln>
-        </p:spPr>
-        <p:style>
-          <a:lnRef idx="2">
-            <a:schemeClr val="accent1">
-              <a:shade val="50000"/>
-            </a:schemeClr>
-          </a:lnRef>
-          <a:fillRef idx="1">
-            <a:schemeClr val="accent1"/>
-          </a:fillRef>
-          <a:effectRef idx="0">
-            <a:schemeClr val="accent1"/>
-          </a:effectRef>
-          <a:fontRef idx="minor">
-            <a:schemeClr val="lt1"/>
-          </a:fontRef>
-        </p:style>
-        <p:txBody>
-          <a:bodyPr rtlCol="0" anchor="ctr"/>
-          <a:lstStyle/>
-          <a:p>
-            <a:pPr algn="ctr"/>
-            <a:endParaRPr lang="da-DK"/>
-          </a:p>
-        </p:txBody>
-      </p:sp>
-      <p:pic>
-        <p:nvPicPr>
-          <p:cNvPr id="5" name="Grafik 4" descr="Hamburgermenuikon med massiv udfyldning">
-            <a:extLst>
-              <a:ext uri="{FF2B5EF4-FFF2-40B4-BE49-F238E27FC236}">
-                <a16:creationId xmlns:a16="http://schemas.microsoft.com/office/drawing/2014/main" id="{7AA5A79C-B389-4EE4-ACAC-593EB463D237}"/>
-              </a:ext>
-            </a:extLst>
-          </p:cNvPr>
-          <p:cNvPicPr>
-            <a:picLocks noChangeAspect="1"/>
-          </p:cNvPicPr>
-          <p:nvPr/>
-        </p:nvPicPr>
-        <p:blipFill>
-          <a:blip r:embed="rId2">
-            <a:extLst>
-              <a:ext uri="{28A0092B-C50C-407E-A947-70E740481C1C}">
-                <a14:useLocalDpi xmlns:a14="http://schemas.microsoft.com/office/drawing/2010/main" val="0"/>
-              </a:ext>
-              <a:ext uri="{96DAC541-7B7A-43D3-8B79-37D633B846F1}">
-                <asvg:svgBlip xmlns:asvg="http://schemas.microsoft.com/office/drawing/2016/SVG/main" r:embed="rId3"/>
-              </a:ext>
-            </a:extLst>
-          </a:blip>
-          <a:stretch>
-            <a:fillRect/>
-          </a:stretch>
-        </p:blipFill>
-        <p:spPr>
-          <a:xfrm>
-            <a:off x="2603428" y="866273"/>
-            <a:ext cx="391885" cy="391885"/>
-          </a:xfrm>
-          <a:prstGeom prst="rect">
-            <a:avLst/>
-          </a:prstGeom>
-        </p:spPr>
-      </p:pic>
-      <p:sp>
-        <p:nvSpPr>
-          <p:cNvPr id="6" name="Rektangel: afrundede hjørner 5">
-            <a:extLst>
-              <a:ext uri="{FF2B5EF4-FFF2-40B4-BE49-F238E27FC236}">
-                <a16:creationId xmlns:a16="http://schemas.microsoft.com/office/drawing/2014/main" id="{41543CD5-D869-411C-96FD-1D6735A1D428}"/>
-              </a:ext>
-            </a:extLst>
-          </p:cNvPr>
-          <p:cNvSpPr/>
-          <p:nvPr/>
-        </p:nvSpPr>
-        <p:spPr>
-          <a:xfrm>
-            <a:off x="2541550" y="866273"/>
-            <a:ext cx="515642" cy="391885"/>
-          </a:xfrm>
-          <a:prstGeom prst="roundRect">
-            <a:avLst/>
-          </a:prstGeom>
-          <a:noFill/>
-          <a:ln w="9525" cap="flat" cmpd="sng" algn="ctr">
-            <a:solidFill>
-              <a:schemeClr val="dk1"/>
-            </a:solidFill>
-            <a:prstDash val="solid"/>
-            <a:round/>
-            <a:headEnd type="none" w="med" len="med"/>
-            <a:tailEnd type="none" w="med" len="med"/>
-          </a:ln>
-        </p:spPr>
-        <p:style>
-          <a:lnRef idx="0">
-            <a:scrgbClr r="0" g="0" b="0"/>
-          </a:lnRef>
-          <a:fillRef idx="0">
-            <a:scrgbClr r="0" g="0" b="0"/>
-          </a:fillRef>
-          <a:effectRef idx="0">
-            <a:scrgbClr r="0" g="0" b="0"/>
-          </a:effectRef>
-          <a:fontRef idx="minor">
-            <a:schemeClr val="dk1"/>
-          </a:fontRef>
-        </p:style>
-        <p:txBody>
-          <a:bodyPr rtlCol="0" anchor="ctr"/>
-          <a:lstStyle/>
-          <a:p>
-            <a:pPr algn="ctr"/>
-            <a:endParaRPr lang="da-DK"/>
-          </a:p>
-        </p:txBody>
-      </p:sp>
-      <p:sp>
-        <p:nvSpPr>
-          <p:cNvPr id="7" name="Rektangel 6">
-            <a:extLst>
-              <a:ext uri="{FF2B5EF4-FFF2-40B4-BE49-F238E27FC236}">
-                <a16:creationId xmlns:a16="http://schemas.microsoft.com/office/drawing/2014/main" id="{E4B70F31-24EC-4847-9272-3D9ECC194370}"/>
-              </a:ext>
-            </a:extLst>
-          </p:cNvPr>
-          <p:cNvSpPr/>
-          <p:nvPr/>
-        </p:nvSpPr>
-        <p:spPr>
-          <a:xfrm>
-            <a:off x="80234" y="845649"/>
-            <a:ext cx="1718795" cy="792366"/>
-          </a:xfrm>
-          <a:prstGeom prst="rect">
-            <a:avLst/>
-          </a:prstGeom>
-          <a:solidFill>
-            <a:schemeClr val="bg1">
-              <a:lumMod val="85000"/>
-            </a:schemeClr>
-          </a:solidFill>
-        </p:spPr>
-        <p:style>
-          <a:lnRef idx="2">
-            <a:schemeClr val="dk1"/>
-          </a:lnRef>
-          <a:fillRef idx="1">
-            <a:schemeClr val="lt1"/>
-          </a:fillRef>
-          <a:effectRef idx="0">
-            <a:schemeClr val="dk1"/>
-          </a:effectRef>
-          <a:fontRef idx="minor">
-            <a:schemeClr val="dk1"/>
-          </a:fontRef>
-        </p:style>
-        <p:txBody>
-          <a:bodyPr rtlCol="0" anchor="ctr"/>
-          <a:lstStyle/>
-          <a:p>
-            <a:pPr algn="ctr"/>
-            <a:endParaRPr lang="da-DK" dirty="0"/>
-          </a:p>
-        </p:txBody>
-      </p:sp>
-      <p:sp>
-        <p:nvSpPr>
-          <p:cNvPr id="8" name="Pil: højre 7">
-            <a:extLst>
-              <a:ext uri="{FF2B5EF4-FFF2-40B4-BE49-F238E27FC236}">
-                <a16:creationId xmlns:a16="http://schemas.microsoft.com/office/drawing/2014/main" id="{C3ED1C01-ABEC-4E29-B84F-D226B7596CAD}"/>
-              </a:ext>
-            </a:extLst>
-          </p:cNvPr>
-          <p:cNvSpPr/>
-          <p:nvPr/>
-        </p:nvSpPr>
-        <p:spPr>
-          <a:xfrm rot="10800000">
-            <a:off x="1829968" y="864667"/>
-            <a:ext cx="680643" cy="304117"/>
-          </a:xfrm>
-          <a:prstGeom prst="rightArrow">
-            <a:avLst/>
-          </a:prstGeom>
-          <a:solidFill>
-            <a:schemeClr val="tx1"/>
-          </a:solidFill>
-        </p:spPr>
-        <p:style>
-          <a:lnRef idx="2">
-            <a:schemeClr val="accent1">
-              <a:shade val="50000"/>
-            </a:schemeClr>
-          </a:lnRef>
-          <a:fillRef idx="1">
-            <a:schemeClr val="accent1"/>
-          </a:fillRef>
-          <a:effectRef idx="0">
-            <a:schemeClr val="accent1"/>
-          </a:effectRef>
-          <a:fontRef idx="minor">
-            <a:schemeClr val="lt1"/>
-          </a:fontRef>
-        </p:style>
-        <p:txBody>
-          <a:bodyPr rtlCol="0" anchor="ctr"/>
-          <a:lstStyle/>
-          <a:p>
-            <a:pPr algn="ctr"/>
-            <a:endParaRPr lang="da-DK"/>
-          </a:p>
-        </p:txBody>
-      </p:sp>
-      <p:sp>
-        <p:nvSpPr>
-          <p:cNvPr id="9" name="Rektangel 8">
-            <a:extLst>
-              <a:ext uri="{FF2B5EF4-FFF2-40B4-BE49-F238E27FC236}">
-                <a16:creationId xmlns:a16="http://schemas.microsoft.com/office/drawing/2014/main" id="{68C75B03-066A-4165-9D84-C1EF917497DF}"/>
-              </a:ext>
-            </a:extLst>
-          </p:cNvPr>
-          <p:cNvSpPr/>
-          <p:nvPr/>
-        </p:nvSpPr>
-        <p:spPr>
-          <a:xfrm>
-            <a:off x="80234" y="845648"/>
-            <a:ext cx="1718795" cy="391885"/>
-          </a:xfrm>
-          <a:prstGeom prst="rect">
-            <a:avLst/>
-          </a:prstGeom>
-          <a:noFill/>
-          <a:ln w="9525" cap="flat" cmpd="sng" algn="ctr">
-            <a:solidFill>
-              <a:schemeClr val="dk1"/>
-            </a:solidFill>
-            <a:prstDash val="solid"/>
-            <a:round/>
-            <a:headEnd type="none" w="med" len="med"/>
-            <a:tailEnd type="none" w="med" len="med"/>
-          </a:ln>
-        </p:spPr>
-        <p:style>
-          <a:lnRef idx="0">
-            <a:scrgbClr r="0" g="0" b="0"/>
-          </a:lnRef>
-          <a:fillRef idx="0">
-            <a:scrgbClr r="0" g="0" b="0"/>
-          </a:fillRef>
-          <a:effectRef idx="0">
-            <a:scrgbClr r="0" g="0" b="0"/>
-          </a:effectRef>
-          <a:fontRef idx="minor">
-            <a:schemeClr val="dk1"/>
-          </a:fontRef>
-        </p:style>
-        <p:txBody>
-          <a:bodyPr rtlCol="0" anchor="ctr"/>
-          <a:lstStyle/>
-          <a:p>
-            <a:pPr algn="ctr"/>
-            <a:endParaRPr lang="da-DK"/>
-          </a:p>
-        </p:txBody>
-      </p:sp>
-      <p:sp>
-        <p:nvSpPr>
-          <p:cNvPr id="10" name="Tekstfelt 9">
-            <a:extLst>
-              <a:ext uri="{FF2B5EF4-FFF2-40B4-BE49-F238E27FC236}">
-                <a16:creationId xmlns:a16="http://schemas.microsoft.com/office/drawing/2014/main" id="{3E50554F-690E-4E64-8749-5C1F331BA362}"/>
-              </a:ext>
-            </a:extLst>
-          </p:cNvPr>
-          <p:cNvSpPr txBox="1"/>
-          <p:nvPr/>
-        </p:nvSpPr>
-        <p:spPr>
-          <a:xfrm>
-            <a:off x="211444" y="1288182"/>
-            <a:ext cx="1438151" cy="307777"/>
-          </a:xfrm>
-          <a:prstGeom prst="rect">
-            <a:avLst/>
-          </a:prstGeom>
-          <a:noFill/>
-        </p:spPr>
-        <p:txBody>
-          <a:bodyPr wrap="none" rtlCol="0">
-            <a:spAutoFit/>
-          </a:bodyPr>
-          <a:lstStyle/>
-          <a:p>
-            <a:r>
-              <a:rPr lang="da-DK" sz="1400" dirty="0"/>
-              <a:t>Tilmeld pubcrawl</a:t>
-            </a:r>
-          </a:p>
-        </p:txBody>
-      </p:sp>
-      <p:sp>
-        <p:nvSpPr>
-          <p:cNvPr id="11" name="Rektangel 10">
-            <a:extLst>
-              <a:ext uri="{FF2B5EF4-FFF2-40B4-BE49-F238E27FC236}">
-                <a16:creationId xmlns:a16="http://schemas.microsoft.com/office/drawing/2014/main" id="{98E04991-850B-4F8D-8CD8-3D3151C430EC}"/>
-              </a:ext>
-            </a:extLst>
-          </p:cNvPr>
-          <p:cNvSpPr/>
-          <p:nvPr/>
-        </p:nvSpPr>
-        <p:spPr>
-          <a:xfrm>
-            <a:off x="71123" y="1246129"/>
-            <a:ext cx="1718795" cy="391885"/>
-          </a:xfrm>
-          <a:prstGeom prst="rect">
-            <a:avLst/>
-          </a:prstGeom>
-          <a:noFill/>
-          <a:ln w="9525" cap="flat" cmpd="sng" algn="ctr">
-            <a:solidFill>
-              <a:schemeClr val="dk1"/>
-            </a:solidFill>
-            <a:prstDash val="solid"/>
-            <a:round/>
-            <a:headEnd type="none" w="med" len="med"/>
-            <a:tailEnd type="none" w="med" len="med"/>
-          </a:ln>
-        </p:spPr>
-        <p:style>
-          <a:lnRef idx="0">
-            <a:scrgbClr r="0" g="0" b="0"/>
-          </a:lnRef>
-          <a:fillRef idx="0">
-            <a:scrgbClr r="0" g="0" b="0"/>
-          </a:fillRef>
-          <a:effectRef idx="0">
-            <a:scrgbClr r="0" g="0" b="0"/>
-          </a:effectRef>
-          <a:fontRef idx="minor">
-            <a:schemeClr val="dk1"/>
-          </a:fontRef>
-        </p:style>
-        <p:txBody>
-          <a:bodyPr rtlCol="0" anchor="ctr"/>
-          <a:lstStyle/>
-          <a:p>
-            <a:pPr algn="ctr"/>
-            <a:endParaRPr lang="da-DK"/>
-          </a:p>
-        </p:txBody>
-      </p:sp>
-      <p:sp>
-        <p:nvSpPr>
-          <p:cNvPr id="12" name="Tekstfelt 11">
-            <a:extLst>
-              <a:ext uri="{FF2B5EF4-FFF2-40B4-BE49-F238E27FC236}">
-                <a16:creationId xmlns:a16="http://schemas.microsoft.com/office/drawing/2014/main" id="{3A8A5585-ADE2-4EF9-92C3-E487D8E4205E}"/>
-              </a:ext>
-            </a:extLst>
-          </p:cNvPr>
-          <p:cNvSpPr txBox="1"/>
-          <p:nvPr/>
-        </p:nvSpPr>
-        <p:spPr>
-          <a:xfrm>
-            <a:off x="517425" y="883350"/>
-            <a:ext cx="826188" cy="307777"/>
-          </a:xfrm>
-          <a:prstGeom prst="rect">
-            <a:avLst/>
-          </a:prstGeom>
-          <a:noFill/>
-        </p:spPr>
-        <p:txBody>
-          <a:bodyPr wrap="none" rtlCol="0">
-            <a:spAutoFit/>
-          </a:bodyPr>
-          <a:lstStyle/>
-          <a:p>
-            <a:r>
-              <a:rPr lang="da-DK" sz="1400" dirty="0"/>
-              <a:t>Vis profil</a:t>
-            </a:r>
-          </a:p>
-        </p:txBody>
-      </p:sp>
-      <p:sp>
-        <p:nvSpPr>
-          <p:cNvPr id="23" name="Rektangel 22">
-            <a:extLst>
-              <a:ext uri="{FF2B5EF4-FFF2-40B4-BE49-F238E27FC236}">
-                <a16:creationId xmlns:a16="http://schemas.microsoft.com/office/drawing/2014/main" id="{7614D8E4-E342-45BC-AFEC-8101F67F691B}"/>
-              </a:ext>
-            </a:extLst>
-          </p:cNvPr>
-          <p:cNvSpPr/>
-          <p:nvPr/>
-        </p:nvSpPr>
-        <p:spPr>
-          <a:xfrm>
-            <a:off x="7562135" y="2342081"/>
-            <a:ext cx="1776090" cy="2433814"/>
-          </a:xfrm>
-          <a:prstGeom prst="rect">
-            <a:avLst/>
-          </a:prstGeom>
-        </p:spPr>
-        <p:style>
-          <a:lnRef idx="2">
-            <a:schemeClr val="dk1"/>
-          </a:lnRef>
-          <a:fillRef idx="1">
-            <a:schemeClr val="lt1"/>
-          </a:fillRef>
-          <a:effectRef idx="0">
-            <a:schemeClr val="dk1"/>
-          </a:effectRef>
-          <a:fontRef idx="minor">
-            <a:schemeClr val="dk1"/>
-          </a:fontRef>
-        </p:style>
-        <p:txBody>
-          <a:bodyPr rtlCol="0" anchor="ctr"/>
-          <a:lstStyle/>
-          <a:p>
-            <a:pPr algn="ctr"/>
-            <a:endParaRPr lang="da-DK"/>
-          </a:p>
-        </p:txBody>
-      </p:sp>
-      <p:sp>
-        <p:nvSpPr>
-          <p:cNvPr id="24" name="Rektangel 23">
-            <a:extLst>
-              <a:ext uri="{FF2B5EF4-FFF2-40B4-BE49-F238E27FC236}">
-                <a16:creationId xmlns:a16="http://schemas.microsoft.com/office/drawing/2014/main" id="{2BB7CCD0-EB43-4444-BB62-27D83ABD5245}"/>
-              </a:ext>
-            </a:extLst>
-          </p:cNvPr>
-          <p:cNvSpPr/>
-          <p:nvPr/>
-        </p:nvSpPr>
-        <p:spPr>
-          <a:xfrm>
-            <a:off x="7562135" y="2351016"/>
-            <a:ext cx="1776090" cy="427175"/>
-          </a:xfrm>
-          <a:prstGeom prst="rect">
-            <a:avLst/>
-          </a:prstGeom>
-        </p:spPr>
-        <p:style>
-          <a:lnRef idx="2">
-            <a:schemeClr val="dk1"/>
-          </a:lnRef>
-          <a:fillRef idx="1">
-            <a:schemeClr val="lt1"/>
-          </a:fillRef>
-          <a:effectRef idx="0">
-            <a:schemeClr val="dk1"/>
-          </a:effectRef>
-          <a:fontRef idx="minor">
-            <a:schemeClr val="dk1"/>
-          </a:fontRef>
-        </p:style>
-        <p:txBody>
-          <a:bodyPr rtlCol="0" anchor="ctr"/>
-          <a:lstStyle/>
-          <a:p>
-            <a:pPr algn="ctr"/>
-            <a:r>
-              <a:rPr lang="da-DK" dirty="0"/>
-              <a:t>Pakke 2</a:t>
-            </a:r>
-          </a:p>
-        </p:txBody>
-      </p:sp>
-      <p:sp>
-        <p:nvSpPr>
-          <p:cNvPr id="26" name="Rektangel 25">
-            <a:extLst>
-              <a:ext uri="{FF2B5EF4-FFF2-40B4-BE49-F238E27FC236}">
-                <a16:creationId xmlns:a16="http://schemas.microsoft.com/office/drawing/2014/main" id="{0E202377-FA5B-46E5-921F-90D7F470C422}"/>
-              </a:ext>
-            </a:extLst>
-          </p:cNvPr>
-          <p:cNvSpPr/>
-          <p:nvPr/>
-        </p:nvSpPr>
-        <p:spPr>
-          <a:xfrm>
-            <a:off x="5280718" y="2342081"/>
-            <a:ext cx="1776090" cy="2433814"/>
-          </a:xfrm>
-          <a:prstGeom prst="rect">
-            <a:avLst/>
-          </a:prstGeom>
-        </p:spPr>
-        <p:style>
-          <a:lnRef idx="2">
-            <a:schemeClr val="dk1"/>
-          </a:lnRef>
-          <a:fillRef idx="1">
-            <a:schemeClr val="lt1"/>
-          </a:fillRef>
-          <a:effectRef idx="0">
-            <a:schemeClr val="dk1"/>
-          </a:effectRef>
-          <a:fontRef idx="minor">
-            <a:schemeClr val="dk1"/>
-          </a:fontRef>
-        </p:style>
-        <p:txBody>
-          <a:bodyPr rtlCol="0" anchor="ctr"/>
-          <a:lstStyle/>
-          <a:p>
-            <a:pPr algn="ctr"/>
-            <a:endParaRPr lang="da-DK"/>
-          </a:p>
-        </p:txBody>
-      </p:sp>
-      <p:sp>
-        <p:nvSpPr>
-          <p:cNvPr id="27" name="Rektangel 26">
-            <a:extLst>
-              <a:ext uri="{FF2B5EF4-FFF2-40B4-BE49-F238E27FC236}">
-                <a16:creationId xmlns:a16="http://schemas.microsoft.com/office/drawing/2014/main" id="{9081F9CA-E4B9-4F1B-BEF1-9499482E84BD}"/>
-              </a:ext>
-            </a:extLst>
-          </p:cNvPr>
-          <p:cNvSpPr/>
-          <p:nvPr/>
-        </p:nvSpPr>
-        <p:spPr>
-          <a:xfrm>
-            <a:off x="5280718" y="2351016"/>
-            <a:ext cx="1776090" cy="427175"/>
-          </a:xfrm>
-          <a:prstGeom prst="rect">
-            <a:avLst/>
-          </a:prstGeom>
-        </p:spPr>
-        <p:style>
-          <a:lnRef idx="2">
-            <a:schemeClr val="dk1"/>
-          </a:lnRef>
-          <a:fillRef idx="1">
-            <a:schemeClr val="lt1"/>
-          </a:fillRef>
-          <a:effectRef idx="0">
-            <a:schemeClr val="dk1"/>
-          </a:effectRef>
-          <a:fontRef idx="minor">
-            <a:schemeClr val="dk1"/>
-          </a:fontRef>
-        </p:style>
-        <p:txBody>
-          <a:bodyPr rtlCol="0" anchor="ctr"/>
-          <a:lstStyle/>
-          <a:p>
-            <a:pPr algn="ctr"/>
-            <a:r>
-              <a:rPr lang="da-DK" dirty="0"/>
-              <a:t>Pakke 1</a:t>
-            </a:r>
-          </a:p>
-        </p:txBody>
-      </p:sp>
-      <p:sp>
-        <p:nvSpPr>
-          <p:cNvPr id="28" name="Tekstfelt 27">
-            <a:extLst>
-              <a:ext uri="{FF2B5EF4-FFF2-40B4-BE49-F238E27FC236}">
-                <a16:creationId xmlns:a16="http://schemas.microsoft.com/office/drawing/2014/main" id="{BE4728EA-1DF0-40B2-A2FA-4998C3EDF99C}"/>
-              </a:ext>
-            </a:extLst>
-          </p:cNvPr>
-          <p:cNvSpPr txBox="1"/>
-          <p:nvPr/>
-        </p:nvSpPr>
-        <p:spPr>
-          <a:xfrm>
-            <a:off x="5836781" y="4406563"/>
-            <a:ext cx="663964" cy="369332"/>
-          </a:xfrm>
-          <a:prstGeom prst="rect">
-            <a:avLst/>
-          </a:prstGeom>
-          <a:noFill/>
-        </p:spPr>
-        <p:txBody>
-          <a:bodyPr wrap="none" rtlCol="0">
-            <a:spAutoFit/>
-          </a:bodyPr>
-          <a:lstStyle/>
-          <a:p>
-            <a:r>
-              <a:rPr lang="da-DK" dirty="0"/>
-              <a:t>149.-</a:t>
-            </a:r>
-          </a:p>
-        </p:txBody>
-      </p:sp>
-      <p:pic>
-        <p:nvPicPr>
-          <p:cNvPr id="30" name="Grafik 29" descr="Dagskalender kontur">
-            <a:extLst>
-              <a:ext uri="{FF2B5EF4-FFF2-40B4-BE49-F238E27FC236}">
-                <a16:creationId xmlns:a16="http://schemas.microsoft.com/office/drawing/2014/main" id="{47C7BA6D-70F0-4371-B486-1861FD87547C}"/>
-              </a:ext>
-            </a:extLst>
-          </p:cNvPr>
-          <p:cNvPicPr>
-            <a:picLocks noChangeAspect="1"/>
-          </p:cNvPicPr>
-          <p:nvPr/>
-        </p:nvPicPr>
-        <p:blipFill>
-          <a:blip r:embed="rId4">
-            <a:extLst>
-              <a:ext uri="{28A0092B-C50C-407E-A947-70E740481C1C}">
-                <a14:useLocalDpi xmlns:a14="http://schemas.microsoft.com/office/drawing/2010/main" val="0"/>
-              </a:ext>
-              <a:ext uri="{96DAC541-7B7A-43D3-8B79-37D633B846F1}">
-                <asvg:svgBlip xmlns:asvg="http://schemas.microsoft.com/office/drawing/2016/SVG/main" r:embed="rId5"/>
-              </a:ext>
-            </a:extLst>
-          </a:blip>
-          <a:stretch>
-            <a:fillRect/>
-          </a:stretch>
-        </p:blipFill>
-        <p:spPr>
-          <a:xfrm>
-            <a:off x="2934562" y="2594743"/>
-            <a:ext cx="1928489" cy="1928489"/>
-          </a:xfrm>
-          <a:prstGeom prst="rect">
-            <a:avLst/>
-          </a:prstGeom>
-        </p:spPr>
-      </p:pic>
-      <p:sp>
-        <p:nvSpPr>
-          <p:cNvPr id="32" name="Tekstfelt 31">
-            <a:extLst>
-              <a:ext uri="{FF2B5EF4-FFF2-40B4-BE49-F238E27FC236}">
-                <a16:creationId xmlns:a16="http://schemas.microsoft.com/office/drawing/2014/main" id="{914AFA4D-A738-466E-BB23-A478AFBDEBC5}"/>
-              </a:ext>
-            </a:extLst>
-          </p:cNvPr>
-          <p:cNvSpPr txBox="1"/>
-          <p:nvPr/>
-        </p:nvSpPr>
-        <p:spPr>
-          <a:xfrm>
-            <a:off x="8118196" y="4410433"/>
-            <a:ext cx="663964" cy="369332"/>
-          </a:xfrm>
-          <a:prstGeom prst="rect">
-            <a:avLst/>
-          </a:prstGeom>
-          <a:noFill/>
-        </p:spPr>
-        <p:txBody>
-          <a:bodyPr wrap="none" rtlCol="0">
-            <a:spAutoFit/>
-          </a:bodyPr>
-          <a:lstStyle/>
-          <a:p>
-            <a:r>
-              <a:rPr lang="da-DK" dirty="0"/>
-              <a:t>249.-</a:t>
-            </a:r>
-          </a:p>
-        </p:txBody>
-      </p:sp>
-      <p:pic>
-        <p:nvPicPr>
-          <p:cNvPr id="34" name="Billede 33">
-            <a:extLst>
-              <a:ext uri="{FF2B5EF4-FFF2-40B4-BE49-F238E27FC236}">
-                <a16:creationId xmlns:a16="http://schemas.microsoft.com/office/drawing/2014/main" id="{9F365B85-1B4D-45DC-8E76-D76353C1CB25}"/>
-              </a:ext>
-            </a:extLst>
-          </p:cNvPr>
-          <p:cNvPicPr>
-            <a:picLocks noChangeAspect="1"/>
-          </p:cNvPicPr>
-          <p:nvPr/>
-        </p:nvPicPr>
-        <p:blipFill>
-          <a:blip r:embed="rId6">
-            <a:extLst>
-              <a:ext uri="{28A0092B-C50C-407E-A947-70E740481C1C}">
-                <a14:useLocalDpi xmlns:a14="http://schemas.microsoft.com/office/drawing/2010/main" val="0"/>
-              </a:ext>
-            </a:extLst>
-          </a:blip>
-          <a:stretch>
-            <a:fillRect/>
-          </a:stretch>
-        </p:blipFill>
-        <p:spPr>
-          <a:xfrm>
-            <a:off x="5366099" y="2923182"/>
-            <a:ext cx="627285" cy="872572"/>
-          </a:xfrm>
-          <a:prstGeom prst="rect">
-            <a:avLst/>
-          </a:prstGeom>
-        </p:spPr>
-      </p:pic>
-      <p:pic>
-        <p:nvPicPr>
-          <p:cNvPr id="36" name="Billede 35">
-            <a:extLst>
-              <a:ext uri="{FF2B5EF4-FFF2-40B4-BE49-F238E27FC236}">
-                <a16:creationId xmlns:a16="http://schemas.microsoft.com/office/drawing/2014/main" id="{1BA58C73-2E7B-4CEF-BE41-4A06A7791262}"/>
-              </a:ext>
-            </a:extLst>
-          </p:cNvPr>
-          <p:cNvPicPr>
-            <a:picLocks noChangeAspect="1"/>
-          </p:cNvPicPr>
-          <p:nvPr/>
-        </p:nvPicPr>
-        <p:blipFill>
-          <a:blip r:embed="rId7">
-            <a:extLst>
-              <a:ext uri="{28A0092B-C50C-407E-A947-70E740481C1C}">
-                <a14:useLocalDpi xmlns:a14="http://schemas.microsoft.com/office/drawing/2010/main" val="0"/>
-              </a:ext>
-            </a:extLst>
-          </a:blip>
-          <a:stretch>
-            <a:fillRect/>
-          </a:stretch>
-        </p:blipFill>
-        <p:spPr>
-          <a:xfrm>
-            <a:off x="6224166" y="2923182"/>
-            <a:ext cx="601860" cy="605399"/>
-          </a:xfrm>
-          <a:prstGeom prst="rect">
-            <a:avLst/>
-          </a:prstGeom>
-        </p:spPr>
-      </p:pic>
-      <p:pic>
-        <p:nvPicPr>
-          <p:cNvPr id="38" name="Billede 37">
-            <a:extLst>
-              <a:ext uri="{FF2B5EF4-FFF2-40B4-BE49-F238E27FC236}">
-                <a16:creationId xmlns:a16="http://schemas.microsoft.com/office/drawing/2014/main" id="{72577D29-467F-4342-979C-50B354440730}"/>
-              </a:ext>
-            </a:extLst>
-          </p:cNvPr>
-          <p:cNvPicPr>
-            <a:picLocks noChangeAspect="1"/>
-          </p:cNvPicPr>
-          <p:nvPr/>
-        </p:nvPicPr>
-        <p:blipFill>
-          <a:blip r:embed="rId8">
-            <a:extLst>
-              <a:ext uri="{28A0092B-C50C-407E-A947-70E740481C1C}">
-                <a14:useLocalDpi xmlns:a14="http://schemas.microsoft.com/office/drawing/2010/main" val="0"/>
-              </a:ext>
-            </a:extLst>
-          </a:blip>
-          <a:stretch>
-            <a:fillRect/>
-          </a:stretch>
-        </p:blipFill>
-        <p:spPr>
-          <a:xfrm>
-            <a:off x="6115368" y="3709544"/>
-            <a:ext cx="704554" cy="598707"/>
-          </a:xfrm>
-          <a:prstGeom prst="rect">
-            <a:avLst/>
-          </a:prstGeom>
-        </p:spPr>
-      </p:pic>
-      <p:pic>
-        <p:nvPicPr>
-          <p:cNvPr id="40" name="Billede 39">
-            <a:extLst>
-              <a:ext uri="{FF2B5EF4-FFF2-40B4-BE49-F238E27FC236}">
-                <a16:creationId xmlns:a16="http://schemas.microsoft.com/office/drawing/2014/main" id="{1187157D-D4E2-4B93-BB54-3A5B8B2A24F9}"/>
-              </a:ext>
-            </a:extLst>
-          </p:cNvPr>
-          <p:cNvPicPr>
-            <a:picLocks noChangeAspect="1"/>
-          </p:cNvPicPr>
-          <p:nvPr/>
-        </p:nvPicPr>
-        <p:blipFill>
-          <a:blip r:embed="rId9">
-            <a:extLst>
-              <a:ext uri="{28A0092B-C50C-407E-A947-70E740481C1C}">
-                <a14:useLocalDpi xmlns:a14="http://schemas.microsoft.com/office/drawing/2010/main" val="0"/>
-              </a:ext>
-            </a:extLst>
-          </a:blip>
-          <a:stretch>
-            <a:fillRect/>
-          </a:stretch>
-        </p:blipFill>
-        <p:spPr>
-          <a:xfrm>
-            <a:off x="7675576" y="2941052"/>
-            <a:ext cx="613632" cy="509544"/>
-          </a:xfrm>
-          <a:prstGeom prst="rect">
-            <a:avLst/>
-          </a:prstGeom>
-        </p:spPr>
-      </p:pic>
-      <p:pic>
-        <p:nvPicPr>
-          <p:cNvPr id="41" name="Billede 40">
-            <a:extLst>
-              <a:ext uri="{FF2B5EF4-FFF2-40B4-BE49-F238E27FC236}">
-                <a16:creationId xmlns:a16="http://schemas.microsoft.com/office/drawing/2014/main" id="{F0B95ACF-C0DE-4725-8371-E522B98F6E0F}"/>
-              </a:ext>
-            </a:extLst>
-          </p:cNvPr>
-          <p:cNvPicPr>
-            <a:picLocks noChangeAspect="1"/>
-          </p:cNvPicPr>
-          <p:nvPr/>
-        </p:nvPicPr>
-        <p:blipFill>
-          <a:blip r:embed="rId8">
-            <a:extLst>
-              <a:ext uri="{28A0092B-C50C-407E-A947-70E740481C1C}">
-                <a14:useLocalDpi xmlns:a14="http://schemas.microsoft.com/office/drawing/2010/main" val="0"/>
-              </a:ext>
-            </a:extLst>
-          </a:blip>
-          <a:stretch>
-            <a:fillRect/>
-          </a:stretch>
-        </p:blipFill>
-        <p:spPr>
-          <a:xfrm>
-            <a:off x="8402649" y="2907123"/>
-            <a:ext cx="704554" cy="598707"/>
-          </a:xfrm>
-          <a:prstGeom prst="rect">
-            <a:avLst/>
-          </a:prstGeom>
-        </p:spPr>
-      </p:pic>
-      <p:pic>
-        <p:nvPicPr>
-          <p:cNvPr id="42" name="Billede 41">
-            <a:extLst>
-              <a:ext uri="{FF2B5EF4-FFF2-40B4-BE49-F238E27FC236}">
-                <a16:creationId xmlns:a16="http://schemas.microsoft.com/office/drawing/2014/main" id="{46FD7EE0-72B3-4D7E-92B0-F6788C6988FE}"/>
-              </a:ext>
-            </a:extLst>
-          </p:cNvPr>
-          <p:cNvPicPr>
-            <a:picLocks noChangeAspect="1"/>
-          </p:cNvPicPr>
-          <p:nvPr/>
-        </p:nvPicPr>
-        <p:blipFill>
-          <a:blip r:embed="rId6">
-            <a:extLst>
-              <a:ext uri="{28A0092B-C50C-407E-A947-70E740481C1C}">
-                <a14:useLocalDpi xmlns:a14="http://schemas.microsoft.com/office/drawing/2010/main" val="0"/>
-              </a:ext>
-            </a:extLst>
-          </a:blip>
-          <a:stretch>
-            <a:fillRect/>
-          </a:stretch>
-        </p:blipFill>
-        <p:spPr>
-          <a:xfrm>
-            <a:off x="7654572" y="3471504"/>
-            <a:ext cx="627285" cy="872572"/>
-          </a:xfrm>
-          <a:prstGeom prst="rect">
-            <a:avLst/>
-          </a:prstGeom>
-        </p:spPr>
-      </p:pic>
-      <p:pic>
-        <p:nvPicPr>
-          <p:cNvPr id="43" name="Billede 42">
-            <a:extLst>
-              <a:ext uri="{FF2B5EF4-FFF2-40B4-BE49-F238E27FC236}">
-                <a16:creationId xmlns:a16="http://schemas.microsoft.com/office/drawing/2014/main" id="{3CB81B79-4817-4827-A6B1-DB60B1537CB0}"/>
-              </a:ext>
-            </a:extLst>
-          </p:cNvPr>
-          <p:cNvPicPr>
-            <a:picLocks noChangeAspect="1"/>
-          </p:cNvPicPr>
-          <p:nvPr/>
-        </p:nvPicPr>
-        <p:blipFill>
-          <a:blip r:embed="rId7">
-            <a:extLst>
-              <a:ext uri="{28A0092B-C50C-407E-A947-70E740481C1C}">
-                <a14:useLocalDpi xmlns:a14="http://schemas.microsoft.com/office/drawing/2010/main" val="0"/>
-              </a:ext>
-            </a:extLst>
-          </a:blip>
-          <a:stretch>
-            <a:fillRect/>
-          </a:stretch>
-        </p:blipFill>
-        <p:spPr>
-          <a:xfrm>
-            <a:off x="8453996" y="3623140"/>
-            <a:ext cx="601860" cy="605399"/>
-          </a:xfrm>
-          <a:prstGeom prst="rect">
-            <a:avLst/>
-          </a:prstGeom>
-        </p:spPr>
-      </p:pic>
-      <p:sp>
-        <p:nvSpPr>
-          <p:cNvPr id="44" name="Rektangel 43">
-            <a:extLst>
-              <a:ext uri="{FF2B5EF4-FFF2-40B4-BE49-F238E27FC236}">
-                <a16:creationId xmlns:a16="http://schemas.microsoft.com/office/drawing/2014/main" id="{B7E17A0F-9FC8-40F0-B4C7-78341FD748B5}"/>
-              </a:ext>
-            </a:extLst>
-          </p:cNvPr>
-          <p:cNvSpPr/>
-          <p:nvPr/>
-        </p:nvSpPr>
-        <p:spPr>
-          <a:xfrm>
-            <a:off x="5557272" y="5036786"/>
-            <a:ext cx="1333787" cy="405636"/>
-          </a:xfrm>
-          <a:prstGeom prst="rect">
-            <a:avLst/>
-          </a:prstGeom>
-          <a:solidFill>
-            <a:schemeClr val="accent6">
-              <a:lumMod val="40000"/>
-              <a:lumOff val="60000"/>
-            </a:schemeClr>
-          </a:solidFill>
-        </p:spPr>
-        <p:style>
-          <a:lnRef idx="2">
-            <a:schemeClr val="dk1"/>
-          </a:lnRef>
-          <a:fillRef idx="1">
-            <a:schemeClr val="lt1"/>
-          </a:fillRef>
-          <a:effectRef idx="0">
-            <a:schemeClr val="dk1"/>
-          </a:effectRef>
-          <a:fontRef idx="minor">
-            <a:schemeClr val="dk1"/>
-          </a:fontRef>
-        </p:style>
-        <p:txBody>
-          <a:bodyPr rtlCol="0" anchor="ctr"/>
-          <a:lstStyle/>
-          <a:p>
-            <a:pPr algn="ctr"/>
-            <a:r>
-              <a:rPr lang="da-DK" sz="1600" b="1" dirty="0"/>
-              <a:t>Vælg</a:t>
-            </a:r>
-            <a:endParaRPr lang="da-DK" b="1" dirty="0"/>
-          </a:p>
-        </p:txBody>
-      </p:sp>
-      <p:sp>
-        <p:nvSpPr>
-          <p:cNvPr id="45" name="Rektangel 44">
-            <a:extLst>
-              <a:ext uri="{FF2B5EF4-FFF2-40B4-BE49-F238E27FC236}">
-                <a16:creationId xmlns:a16="http://schemas.microsoft.com/office/drawing/2014/main" id="{3A5E4D89-A8B7-4F9A-8AB7-B3EE9C0035AA}"/>
-              </a:ext>
-            </a:extLst>
-          </p:cNvPr>
-          <p:cNvSpPr/>
-          <p:nvPr/>
-        </p:nvSpPr>
-        <p:spPr>
-          <a:xfrm>
-            <a:off x="7783285" y="5027911"/>
-            <a:ext cx="1333787" cy="405636"/>
-          </a:xfrm>
-          <a:prstGeom prst="rect">
-            <a:avLst/>
-          </a:prstGeom>
-          <a:solidFill>
-            <a:schemeClr val="accent6">
-              <a:lumMod val="40000"/>
-              <a:lumOff val="60000"/>
-            </a:schemeClr>
-          </a:solidFill>
-        </p:spPr>
-        <p:style>
-          <a:lnRef idx="2">
-            <a:schemeClr val="dk1"/>
-          </a:lnRef>
-          <a:fillRef idx="1">
-            <a:schemeClr val="lt1"/>
-          </a:fillRef>
-          <a:effectRef idx="0">
-            <a:schemeClr val="dk1"/>
-          </a:effectRef>
-          <a:fontRef idx="minor">
-            <a:schemeClr val="dk1"/>
-          </a:fontRef>
-        </p:style>
-        <p:txBody>
-          <a:bodyPr rtlCol="0" anchor="ctr"/>
-          <a:lstStyle/>
-          <a:p>
-            <a:pPr algn="ctr"/>
-            <a:r>
-              <a:rPr lang="da-DK" sz="1600" b="1" dirty="0"/>
-              <a:t>Vælg</a:t>
-            </a:r>
-            <a:endParaRPr lang="da-DK" b="1" dirty="0"/>
-          </a:p>
-        </p:txBody>
-      </p:sp>
-      <p:pic>
-        <p:nvPicPr>
-          <p:cNvPr id="29" name="Billede 28">
-            <a:extLst>
-              <a:ext uri="{FF2B5EF4-FFF2-40B4-BE49-F238E27FC236}">
-                <a16:creationId xmlns:a16="http://schemas.microsoft.com/office/drawing/2014/main" id="{E61B4AB1-4764-4F1E-82E3-D180D3A2F814}"/>
-              </a:ext>
-            </a:extLst>
-          </p:cNvPr>
-          <p:cNvPicPr>
-            <a:picLocks noChangeAspect="1"/>
-          </p:cNvPicPr>
-          <p:nvPr/>
-        </p:nvPicPr>
-        <p:blipFill>
-          <a:blip r:embed="rId10">
-            <a:extLst>
-              <a:ext uri="{28A0092B-C50C-407E-A947-70E740481C1C}">
-                <a14:useLocalDpi xmlns:a14="http://schemas.microsoft.com/office/drawing/2010/main" val="0"/>
-              </a:ext>
-            </a:extLst>
-          </a:blip>
-          <a:stretch>
-            <a:fillRect/>
-          </a:stretch>
-        </p:blipFill>
-        <p:spPr>
-          <a:xfrm>
-            <a:off x="5689217" y="1049518"/>
-            <a:ext cx="813564" cy="815448"/>
-          </a:xfrm>
-          <a:prstGeom prst="rect">
-            <a:avLst/>
-          </a:prstGeom>
-        </p:spPr>
-      </p:pic>
+            <a:r>
+              <a:rPr lang="da-DK" sz="1400" b="1" dirty="0"/>
+              <a:t>Gem</a:t>
+            </a:r>
+          </a:p>
+        </p:txBody>
+      </p:sp>
     </p:spTree>
     <p:extLst>
       <p:ext uri="{BB962C8B-B14F-4D97-AF65-F5344CB8AC3E}">
-        <p14:creationId xmlns:p14="http://schemas.microsoft.com/office/powerpoint/2010/main" val="17750073"/>
+        <p14:creationId xmlns:p14="http://schemas.microsoft.com/office/powerpoint/2010/main" val="1173661229"/>
       </p:ext>
     </p:extLst>
   </p:cSld>

--- a/Diagrammer/CC-Web_design/CC_Web_Vinduer.pptx
+++ b/Diagrammer/CC-Web_design/CC_Web_Vinduer.pptx
@@ -5756,45 +5756,64 @@
       </p:sp>
       <p:sp>
         <p:nvSpPr>
-          <p:cNvPr id="19" name="Tekstfelt 18">
-            <a:extLst>
-              <a:ext uri="{FF2B5EF4-FFF2-40B4-BE49-F238E27FC236}">
-                <a16:creationId xmlns:a16="http://schemas.microsoft.com/office/drawing/2014/main" id="{873C5E3D-C5CD-4439-AB1B-018B75A9246E}"/>
-              </a:ext>
-            </a:extLst>
-          </p:cNvPr>
-          <p:cNvSpPr txBox="1"/>
+          <p:cNvPr id="16" name="Rektangel 15">
+            <a:extLst>
+              <a:ext uri="{FF2B5EF4-FFF2-40B4-BE49-F238E27FC236}">
+                <a16:creationId xmlns:a16="http://schemas.microsoft.com/office/drawing/2014/main" id="{393999E0-E7E5-4E27-8FCF-02E0ABB6BF54}"/>
+              </a:ext>
+            </a:extLst>
+          </p:cNvPr>
+          <p:cNvSpPr/>
           <p:nvPr/>
         </p:nvSpPr>
         <p:spPr>
           <a:xfrm>
-            <a:off x="559747" y="895629"/>
-            <a:ext cx="619657" cy="307777"/>
+            <a:off x="80234" y="845648"/>
+            <a:ext cx="1718795" cy="391885"/>
           </a:xfrm>
           <a:prstGeom prst="rect">
             <a:avLst/>
           </a:prstGeom>
           <a:noFill/>
-        </p:spPr>
-        <p:txBody>
-          <a:bodyPr wrap="none" rtlCol="0">
-            <a:spAutoFit/>
-          </a:bodyPr>
-          <a:lstStyle/>
-          <a:p>
-            <a:r>
-              <a:rPr lang="da-DK" sz="1400" dirty="0"/>
-              <a:t>Log af</a:t>
-            </a:r>
-          </a:p>
-        </p:txBody>
-      </p:sp>
-      <p:sp>
-        <p:nvSpPr>
-          <p:cNvPr id="39" name="Tekstfelt 38">
-            <a:extLst>
-              <a:ext uri="{FF2B5EF4-FFF2-40B4-BE49-F238E27FC236}">
-                <a16:creationId xmlns:a16="http://schemas.microsoft.com/office/drawing/2014/main" id="{5822883F-62C5-4BB6-82BB-C302FDF1B38C}"/>
+          <a:ln w="9525" cap="flat" cmpd="sng" algn="ctr">
+            <a:solidFill>
+              <a:schemeClr val="dk1"/>
+            </a:solidFill>
+            <a:prstDash val="solid"/>
+            <a:round/>
+            <a:headEnd type="none" w="med" len="med"/>
+            <a:tailEnd type="none" w="med" len="med"/>
+          </a:ln>
+        </p:spPr>
+        <p:style>
+          <a:lnRef idx="0">
+            <a:scrgbClr r="0" g="0" b="0"/>
+          </a:lnRef>
+          <a:fillRef idx="0">
+            <a:scrgbClr r="0" g="0" b="0"/>
+          </a:fillRef>
+          <a:effectRef idx="0">
+            <a:scrgbClr r="0" g="0" b="0"/>
+          </a:effectRef>
+          <a:fontRef idx="minor">
+            <a:schemeClr val="dk1"/>
+          </a:fontRef>
+        </p:style>
+        <p:txBody>
+          <a:bodyPr rtlCol="0" anchor="ctr"/>
+          <a:lstStyle/>
+          <a:p>
+            <a:pPr algn="ctr"/>
+            <a:endParaRPr lang="da-DK"/>
+          </a:p>
+        </p:txBody>
+      </p:sp>
+      <p:sp>
+        <p:nvSpPr>
+          <p:cNvPr id="19" name="Tekstfelt 18">
+            <a:extLst>
+              <a:ext uri="{FF2B5EF4-FFF2-40B4-BE49-F238E27FC236}">
+                <a16:creationId xmlns:a16="http://schemas.microsoft.com/office/drawing/2014/main" id="{873C5E3D-C5CD-4439-AB1B-018B75A9246E}"/>
               </a:ext>
             </a:extLst>
           </p:cNvPr>
@@ -5803,8 +5822,8 @@
         </p:nvSpPr>
         <p:spPr>
           <a:xfrm>
-            <a:off x="2716187" y="1993228"/>
-            <a:ext cx="2292744" cy="2492990"/>
+            <a:off x="559747" y="895629"/>
+            <a:ext cx="619657" cy="307777"/>
           </a:xfrm>
           <a:prstGeom prst="rect">
             <a:avLst/>
@@ -5818,6 +5837,41 @@
           <a:lstStyle/>
           <a:p>
             <a:r>
+              <a:rPr lang="da-DK" sz="1400" dirty="0"/>
+              <a:t>Log af</a:t>
+            </a:r>
+          </a:p>
+        </p:txBody>
+      </p:sp>
+      <p:sp>
+        <p:nvSpPr>
+          <p:cNvPr id="39" name="Tekstfelt 38">
+            <a:extLst>
+              <a:ext uri="{FF2B5EF4-FFF2-40B4-BE49-F238E27FC236}">
+                <a16:creationId xmlns:a16="http://schemas.microsoft.com/office/drawing/2014/main" id="{5822883F-62C5-4BB6-82BB-C302FDF1B38C}"/>
+              </a:ext>
+            </a:extLst>
+          </p:cNvPr>
+          <p:cNvSpPr txBox="1"/>
+          <p:nvPr/>
+        </p:nvSpPr>
+        <p:spPr>
+          <a:xfrm>
+            <a:off x="2716187" y="1993228"/>
+            <a:ext cx="2292744" cy="2492990"/>
+          </a:xfrm>
+          <a:prstGeom prst="rect">
+            <a:avLst/>
+          </a:prstGeom>
+          <a:noFill/>
+        </p:spPr>
+        <p:txBody>
+          <a:bodyPr wrap="none" rtlCol="0">
+            <a:spAutoFit/>
+          </a:bodyPr>
+          <a:lstStyle/>
+          <a:p>
+            <a:r>
               <a:rPr lang="da-DK" sz="1600" b="1" dirty="0"/>
               <a:t>Virksomheds profil</a:t>
             </a:r>
@@ -5828,15 +5882,6 @@
           <a:p>
             <a:r>
               <a:rPr lang="da-DK" sz="1400" dirty="0"/>
-              <a:t>CVR-nummer: 12345678</a:t>
-            </a:r>
-          </a:p>
-          <a:p>
-            <a:endParaRPr lang="da-DK" sz="1400" dirty="0"/>
-          </a:p>
-          <a:p>
-            <a:r>
-              <a:rPr lang="da-DK" sz="1400" dirty="0"/>
               <a:t>Virksomhedsnavn: </a:t>
             </a:r>
             <a:r>
@@ -5844,6 +5889,15 @@
               <a:t>CityCrawl</a:t>
             </a:r>
             <a:endParaRPr lang="da-DK" sz="1400" dirty="0"/>
+          </a:p>
+          <a:p>
+            <a:endParaRPr lang="da-DK" sz="1400" dirty="0"/>
+          </a:p>
+          <a:p>
+            <a:r>
+              <a:rPr lang="da-DK" sz="1400" dirty="0"/>
+              <a:t>CVR-nummer: 12345678</a:t>
+            </a:r>
           </a:p>
           <a:p>
             <a:endParaRPr lang="da-DK" sz="1400" dirty="0"/>
@@ -5876,7 +5930,7 @@
           <a:p>
             <a:r>
               <a:rPr lang="da-DK" sz="1400" dirty="0"/>
-              <a:t>Virksomhedsbeskrivelse</a:t>
+              <a:t>Virksomhedsbeskrivelse:	 </a:t>
             </a:r>
           </a:p>
         </p:txBody>
